--- a/misc/Rules/Skyscrapers.pptx
+++ b/misc/Rules/Skyscrapers.pptx
@@ -237,7 +237,7 @@
           <a:p>
             <a:fld id="{2D21EF99-F28B-40D0-9617-1BBA90290483}" type="datetimeFigureOut">
               <a:rPr lang="en-US" smtClean="0"/>
-              <a:t>9/30/2014</a:t>
+              <a:t>10/7/2014</a:t>
             </a:fld>
             <a:endParaRPr lang="en-US"/>
           </a:p>
@@ -463,7 +463,7 @@
           <a:p>
             <a:fld id="{2D21EF99-F28B-40D0-9617-1BBA90290483}" type="datetimeFigureOut">
               <a:rPr lang="en-US" smtClean="0"/>
-              <a:t>9/30/2014</a:t>
+              <a:t>10/7/2014</a:t>
             </a:fld>
             <a:endParaRPr lang="en-US"/>
           </a:p>
@@ -638,7 +638,7 @@
           <a:p>
             <a:fld id="{2D21EF99-F28B-40D0-9617-1BBA90290483}" type="datetimeFigureOut">
               <a:rPr lang="en-US" smtClean="0"/>
-              <a:t>9/30/2014</a:t>
+              <a:t>10/7/2014</a:t>
             </a:fld>
             <a:endParaRPr lang="en-US"/>
           </a:p>
@@ -803,7 +803,7 @@
           <a:p>
             <a:fld id="{2D21EF99-F28B-40D0-9617-1BBA90290483}" type="datetimeFigureOut">
               <a:rPr lang="en-US" smtClean="0"/>
-              <a:t>9/30/2014</a:t>
+              <a:t>10/7/2014</a:t>
             </a:fld>
             <a:endParaRPr lang="en-US"/>
           </a:p>
@@ -1047,7 +1047,7 @@
           <a:p>
             <a:fld id="{2D21EF99-F28B-40D0-9617-1BBA90290483}" type="datetimeFigureOut">
               <a:rPr lang="en-US" smtClean="0"/>
-              <a:t>9/30/2014</a:t>
+              <a:t>10/7/2014</a:t>
             </a:fld>
             <a:endParaRPr lang="en-US"/>
           </a:p>
@@ -1311,7 +1311,7 @@
           <a:p>
             <a:fld id="{2D21EF99-F28B-40D0-9617-1BBA90290483}" type="datetimeFigureOut">
               <a:rPr lang="en-US" smtClean="0"/>
-              <a:t>9/30/2014</a:t>
+              <a:t>10/7/2014</a:t>
             </a:fld>
             <a:endParaRPr lang="en-US"/>
           </a:p>
@@ -1685,7 +1685,7 @@
           <a:p>
             <a:fld id="{2D21EF99-F28B-40D0-9617-1BBA90290483}" type="datetimeFigureOut">
               <a:rPr lang="en-US" smtClean="0"/>
-              <a:t>9/30/2014</a:t>
+              <a:t>10/7/2014</a:t>
             </a:fld>
             <a:endParaRPr lang="en-US"/>
           </a:p>
@@ -1798,7 +1798,7 @@
           <a:p>
             <a:fld id="{2D21EF99-F28B-40D0-9617-1BBA90290483}" type="datetimeFigureOut">
               <a:rPr lang="en-US" smtClean="0"/>
-              <a:t>9/30/2014</a:t>
+              <a:t>10/7/2014</a:t>
             </a:fld>
             <a:endParaRPr lang="en-US"/>
           </a:p>
@@ -1888,7 +1888,7 @@
           <a:p>
             <a:fld id="{2D21EF99-F28B-40D0-9617-1BBA90290483}" type="datetimeFigureOut">
               <a:rPr lang="en-US" smtClean="0"/>
-              <a:t>9/30/2014</a:t>
+              <a:t>10/7/2014</a:t>
             </a:fld>
             <a:endParaRPr lang="en-US"/>
           </a:p>
@@ -2146,7 +2146,7 @@
           <a:p>
             <a:fld id="{2D21EF99-F28B-40D0-9617-1BBA90290483}" type="datetimeFigureOut">
               <a:rPr lang="en-US" smtClean="0"/>
-              <a:t>9/30/2014</a:t>
+              <a:t>10/7/2014</a:t>
             </a:fld>
             <a:endParaRPr lang="en-US"/>
           </a:p>
@@ -2410,7 +2410,7 @@
           <a:p>
             <a:fld id="{2D21EF99-F28B-40D0-9617-1BBA90290483}" type="datetimeFigureOut">
               <a:rPr lang="en-US" smtClean="0"/>
-              <a:t>9/30/2014</a:t>
+              <a:t>10/7/2014</a:t>
             </a:fld>
             <a:endParaRPr lang="en-US"/>
           </a:p>
@@ -2627,7 +2627,7 @@
           <a:p>
             <a:fld id="{2D21EF99-F28B-40D0-9617-1BBA90290483}" type="datetimeFigureOut">
               <a:rPr lang="en-US" smtClean="0"/>
-              <a:t>9/30/2014</a:t>
+              <a:t>10/7/2014</a:t>
             </a:fld>
             <a:endParaRPr lang="en-US"/>
           </a:p>
@@ -3148,7 +3148,11 @@
           <a:p>
             <a:r>
               <a:rPr lang="en-US" dirty="0" smtClean="0"/>
-              <a:t>Basic Rule: Forced by Elimination</a:t>
+              <a:t>Basic Rule: </a:t>
+            </a:r>
+            <a:r>
+              <a:rPr lang="en-US" dirty="0" smtClean="0"/>
+              <a:t>Last Square for Number</a:t>
             </a:r>
             <a:endParaRPr lang="en-US" dirty="0"/>
           </a:p>
@@ -3320,7 +3324,15 @@
           <a:p>
             <a:r>
               <a:rPr lang="en-US" dirty="0" smtClean="0"/>
-              <a:t>Basic Rule: Forced by Deduction</a:t>
+              <a:t>Basic Rule: </a:t>
+            </a:r>
+            <a:r>
+              <a:rPr lang="en-US" dirty="0" smtClean="0"/>
+              <a:t>Last Number </a:t>
+            </a:r>
+            <a:r>
+              <a:rPr lang="en-US" smtClean="0"/>
+              <a:t>for Square</a:t>
             </a:r>
             <a:endParaRPr lang="en-US" dirty="0"/>
           </a:p>

--- a/misc/Rules/Skyscrapers.pptx
+++ b/misc/Rules/Skyscrapers.pptx
@@ -11,20 +11,24 @@
     <p:sldId id="259" r:id="rId5"/>
     <p:sldId id="261" r:id="rId6"/>
     <p:sldId id="262" r:id="rId7"/>
-    <p:sldId id="267" r:id="rId8"/>
-    <p:sldId id="265" r:id="rId9"/>
-    <p:sldId id="266" r:id="rId10"/>
-    <p:sldId id="263" r:id="rId11"/>
-    <p:sldId id="264" r:id="rId12"/>
-    <p:sldId id="268" r:id="rId13"/>
-    <p:sldId id="269" r:id="rId14"/>
-    <p:sldId id="270" r:id="rId15"/>
-    <p:sldId id="271" r:id="rId16"/>
-    <p:sldId id="272" r:id="rId17"/>
-    <p:sldId id="273" r:id="rId18"/>
-    <p:sldId id="274" r:id="rId19"/>
-    <p:sldId id="275" r:id="rId20"/>
-    <p:sldId id="276" r:id="rId21"/>
+    <p:sldId id="280" r:id="rId8"/>
+    <p:sldId id="281" r:id="rId9"/>
+    <p:sldId id="279" r:id="rId10"/>
+    <p:sldId id="278" r:id="rId11"/>
+    <p:sldId id="282" r:id="rId12"/>
+    <p:sldId id="265" r:id="rId13"/>
+    <p:sldId id="266" r:id="rId14"/>
+    <p:sldId id="269" r:id="rId15"/>
+    <p:sldId id="270" r:id="rId16"/>
+    <p:sldId id="283" r:id="rId17"/>
+    <p:sldId id="263" r:id="rId18"/>
+    <p:sldId id="264" r:id="rId19"/>
+    <p:sldId id="271" r:id="rId20"/>
+    <p:sldId id="272" r:id="rId21"/>
+    <p:sldId id="273" r:id="rId22"/>
+    <p:sldId id="274" r:id="rId23"/>
+    <p:sldId id="275" r:id="rId24"/>
+    <p:sldId id="276" r:id="rId25"/>
   </p:sldIdLst>
   <p:sldSz cx="9144000" cy="6858000" type="screen4x3"/>
   <p:notesSz cx="6858000" cy="9144000"/>
@@ -237,7 +241,7 @@
           <a:p>
             <a:fld id="{2D21EF99-F28B-40D0-9617-1BBA90290483}" type="datetimeFigureOut">
               <a:rPr lang="en-US" smtClean="0"/>
-              <a:t>10/7/2014</a:t>
+              <a:t>10/8/2014</a:t>
             </a:fld>
             <a:endParaRPr lang="en-US"/>
           </a:p>
@@ -463,7 +467,7 @@
           <a:p>
             <a:fld id="{2D21EF99-F28B-40D0-9617-1BBA90290483}" type="datetimeFigureOut">
               <a:rPr lang="en-US" smtClean="0"/>
-              <a:t>10/7/2014</a:t>
+              <a:t>10/8/2014</a:t>
             </a:fld>
             <a:endParaRPr lang="en-US"/>
           </a:p>
@@ -638,7 +642,7 @@
           <a:p>
             <a:fld id="{2D21EF99-F28B-40D0-9617-1BBA90290483}" type="datetimeFigureOut">
               <a:rPr lang="en-US" smtClean="0"/>
-              <a:t>10/7/2014</a:t>
+              <a:t>10/8/2014</a:t>
             </a:fld>
             <a:endParaRPr lang="en-US"/>
           </a:p>
@@ -803,7 +807,7 @@
           <a:p>
             <a:fld id="{2D21EF99-F28B-40D0-9617-1BBA90290483}" type="datetimeFigureOut">
               <a:rPr lang="en-US" smtClean="0"/>
-              <a:t>10/7/2014</a:t>
+              <a:t>10/8/2014</a:t>
             </a:fld>
             <a:endParaRPr lang="en-US"/>
           </a:p>
@@ -1047,7 +1051,7 @@
           <a:p>
             <a:fld id="{2D21EF99-F28B-40D0-9617-1BBA90290483}" type="datetimeFigureOut">
               <a:rPr lang="en-US" smtClean="0"/>
-              <a:t>10/7/2014</a:t>
+              <a:t>10/8/2014</a:t>
             </a:fld>
             <a:endParaRPr lang="en-US"/>
           </a:p>
@@ -1311,7 +1315,7 @@
           <a:p>
             <a:fld id="{2D21EF99-F28B-40D0-9617-1BBA90290483}" type="datetimeFigureOut">
               <a:rPr lang="en-US" smtClean="0"/>
-              <a:t>10/7/2014</a:t>
+              <a:t>10/8/2014</a:t>
             </a:fld>
             <a:endParaRPr lang="en-US"/>
           </a:p>
@@ -1685,7 +1689,7 @@
           <a:p>
             <a:fld id="{2D21EF99-F28B-40D0-9617-1BBA90290483}" type="datetimeFigureOut">
               <a:rPr lang="en-US" smtClean="0"/>
-              <a:t>10/7/2014</a:t>
+              <a:t>10/8/2014</a:t>
             </a:fld>
             <a:endParaRPr lang="en-US"/>
           </a:p>
@@ -1798,7 +1802,7 @@
           <a:p>
             <a:fld id="{2D21EF99-F28B-40D0-9617-1BBA90290483}" type="datetimeFigureOut">
               <a:rPr lang="en-US" smtClean="0"/>
-              <a:t>10/7/2014</a:t>
+              <a:t>10/8/2014</a:t>
             </a:fld>
             <a:endParaRPr lang="en-US"/>
           </a:p>
@@ -1888,7 +1892,7 @@
           <a:p>
             <a:fld id="{2D21EF99-F28B-40D0-9617-1BBA90290483}" type="datetimeFigureOut">
               <a:rPr lang="en-US" smtClean="0"/>
-              <a:t>10/7/2014</a:t>
+              <a:t>10/8/2014</a:t>
             </a:fld>
             <a:endParaRPr lang="en-US"/>
           </a:p>
@@ -2146,7 +2150,7 @@
           <a:p>
             <a:fld id="{2D21EF99-F28B-40D0-9617-1BBA90290483}" type="datetimeFigureOut">
               <a:rPr lang="en-US" smtClean="0"/>
-              <a:t>10/7/2014</a:t>
+              <a:t>10/8/2014</a:t>
             </a:fld>
             <a:endParaRPr lang="en-US"/>
           </a:p>
@@ -2410,7 +2414,7 @@
           <a:p>
             <a:fld id="{2D21EF99-F28B-40D0-9617-1BBA90290483}" type="datetimeFigureOut">
               <a:rPr lang="en-US" smtClean="0"/>
-              <a:t>10/7/2014</a:t>
+              <a:t>10/8/2014</a:t>
             </a:fld>
             <a:endParaRPr lang="en-US"/>
           </a:p>
@@ -2627,7 +2631,7 @@
           <a:p>
             <a:fld id="{2D21EF99-F28B-40D0-9617-1BBA90290483}" type="datetimeFigureOut">
               <a:rPr lang="en-US" smtClean="0"/>
-              <a:t>10/7/2014</a:t>
+              <a:t>10/8/2014</a:t>
             </a:fld>
             <a:endParaRPr lang="en-US"/>
           </a:p>
@@ -3129,67 +3133,15 @@
           <a:chExt cx="0" cy="0"/>
         </a:xfrm>
       </p:grpSpPr>
-      <p:sp>
-        <p:nvSpPr>
-          <p:cNvPr id="2" name="Title 1"/>
-          <p:cNvSpPr>
-            <a:spLocks noGrp="1"/>
-          </p:cNvSpPr>
-          <p:nvPr>
-            <p:ph type="title"/>
-          </p:nvPr>
-        </p:nvSpPr>
-        <p:spPr/>
-        <p:txBody>
-          <a:bodyPr>
-            <a:normAutofit fontScale="90000"/>
-          </a:bodyPr>
-          <a:lstStyle/>
-          <a:p>
-            <a:r>
-              <a:rPr lang="en-US" dirty="0" smtClean="0"/>
-              <a:t>Basic Rule: </a:t>
-            </a:r>
-            <a:r>
-              <a:rPr lang="en-US" dirty="0" smtClean="0"/>
-              <a:t>Last Square for Number</a:t>
-            </a:r>
-            <a:endParaRPr lang="en-US" dirty="0"/>
-          </a:p>
-        </p:txBody>
-      </p:sp>
-      <p:sp>
-        <p:nvSpPr>
-          <p:cNvPr id="3" name="Content Placeholder 2"/>
-          <p:cNvSpPr>
-            <a:spLocks noGrp="1"/>
-          </p:cNvSpPr>
-          <p:nvPr>
-            <p:ph idx="1"/>
-          </p:nvPr>
-        </p:nvSpPr>
-        <p:spPr/>
-        <p:txBody>
-          <a:bodyPr/>
-          <a:lstStyle/>
-          <a:p>
-            <a:r>
-              <a:rPr lang="en-US" dirty="0" smtClean="0"/>
-              <a:t>A certain number must go in a certain square, because it is the last place it can appear in that row/column.</a:t>
-            </a:r>
-            <a:endParaRPr lang="en-US" dirty="0"/>
-          </a:p>
-        </p:txBody>
-      </p:sp>
       <p:pic>
         <p:nvPicPr>
-          <p:cNvPr id="1026" name="Picture 2"/>
+          <p:cNvPr id="8" name="Picture 2"/>
           <p:cNvPicPr>
             <a:picLocks noChangeAspect="1" noChangeArrowheads="1"/>
           </p:cNvPicPr>
           <p:nvPr/>
         </p:nvPicPr>
-        <p:blipFill>
+        <p:blipFill rotWithShape="1">
           <a:blip r:embed="rId2">
             <a:extLst>
               <a:ext uri="{28A0092B-C50C-407E-A947-70E740481C1C}">
@@ -3197,15 +3149,13 @@
               </a:ext>
             </a:extLst>
           </a:blip>
-          <a:srcRect/>
-          <a:stretch>
-            <a:fillRect/>
-          </a:stretch>
+          <a:srcRect t="32497" b="49558"/>
+          <a:stretch/>
         </p:blipFill>
         <p:spPr bwMode="auto">
           <a:xfrm>
-            <a:off x="2646715" y="3124198"/>
-            <a:ext cx="3276600" cy="3195025"/>
+            <a:off x="3276600" y="4562696"/>
+            <a:ext cx="2524383" cy="436228"/>
           </a:xfrm>
           <a:prstGeom prst="rect">
             <a:avLst/>
@@ -3237,19 +3187,372 @@
       </p:pic>
       <p:sp>
         <p:nvSpPr>
-          <p:cNvPr id="4" name="TextBox 3"/>
-          <p:cNvSpPr txBox="1"/>
+          <p:cNvPr id="27" name="Rectangle 26"/>
+          <p:cNvSpPr/>
           <p:nvPr/>
         </p:nvSpPr>
         <p:spPr>
           <a:xfrm>
-            <a:off x="3688805" y="3301424"/>
-            <a:ext cx="389850" cy="584775"/>
+            <a:off x="4572000" y="4596252"/>
+            <a:ext cx="376282" cy="353577"/>
+          </a:xfrm>
+          <a:prstGeom prst="rect">
+            <a:avLst/>
+          </a:prstGeom>
+          <a:solidFill>
+            <a:srgbClr val="00B0F0"/>
+          </a:solidFill>
+          <a:ln>
+            <a:noFill/>
+          </a:ln>
+        </p:spPr>
+        <p:style>
+          <a:lnRef idx="2">
+            <a:schemeClr val="accent1">
+              <a:shade val="50000"/>
+            </a:schemeClr>
+          </a:lnRef>
+          <a:fillRef idx="1">
+            <a:schemeClr val="accent1"/>
+          </a:fillRef>
+          <a:effectRef idx="0">
+            <a:schemeClr val="accent1"/>
+          </a:effectRef>
+          <a:fontRef idx="minor">
+            <a:schemeClr val="lt1"/>
+          </a:fontRef>
+        </p:style>
+        <p:txBody>
+          <a:bodyPr rtlCol="0" anchor="ctr"/>
+          <a:lstStyle/>
+          <a:p>
+            <a:pPr algn="ctr"/>
+            <a:endParaRPr lang="en-US"/>
+          </a:p>
+        </p:txBody>
+      </p:sp>
+      <p:pic>
+        <p:nvPicPr>
+          <p:cNvPr id="12" name="Picture 2"/>
+          <p:cNvPicPr>
+            <a:picLocks noChangeAspect="1" noChangeArrowheads="1"/>
+          </p:cNvPicPr>
+          <p:nvPr/>
+        </p:nvPicPr>
+        <p:blipFill rotWithShape="1">
+          <a:blip r:embed="rId2">
+            <a:extLst>
+              <a:ext uri="{28A0092B-C50C-407E-A947-70E740481C1C}">
+                <a14:useLocalDpi xmlns:a14="http://schemas.microsoft.com/office/drawing/2010/main" val="0"/>
+              </a:ext>
+            </a:extLst>
+          </a:blip>
+          <a:srcRect t="32497" b="49558"/>
+          <a:stretch/>
+        </p:blipFill>
+        <p:spPr bwMode="auto">
+          <a:xfrm>
+            <a:off x="6400800" y="4562804"/>
+            <a:ext cx="2524383" cy="436228"/>
           </a:xfrm>
           <a:prstGeom prst="rect">
             <a:avLst/>
           </a:prstGeom>
           <a:noFill/>
+          <a:ln>
+            <a:noFill/>
+          </a:ln>
+          <a:extLst>
+            <a:ext uri="{909E8E84-426E-40DD-AFC4-6F175D3DCCD1}">
+              <a14:hiddenFill xmlns:a14="http://schemas.microsoft.com/office/drawing/2010/main">
+                <a:solidFill>
+                  <a:schemeClr val="accent1"/>
+                </a:solidFill>
+              </a14:hiddenFill>
+            </a:ext>
+            <a:ext uri="{91240B29-F687-4F45-9708-019B960494DF}">
+              <a14:hiddenLine xmlns:a14="http://schemas.microsoft.com/office/drawing/2010/main" w="9525">
+                <a:solidFill>
+                  <a:schemeClr val="tx1"/>
+                </a:solidFill>
+                <a:miter lim="800000"/>
+                <a:headEnd/>
+                <a:tailEnd/>
+              </a14:hiddenLine>
+            </a:ext>
+          </a:extLst>
+        </p:spPr>
+      </p:pic>
+      <p:sp>
+        <p:nvSpPr>
+          <p:cNvPr id="26" name="Rectangle 25"/>
+          <p:cNvSpPr/>
+          <p:nvPr/>
+        </p:nvSpPr>
+        <p:spPr>
+          <a:xfrm>
+            <a:off x="8153400" y="4612007"/>
+            <a:ext cx="376282" cy="353577"/>
+          </a:xfrm>
+          <a:prstGeom prst="rect">
+            <a:avLst/>
+          </a:prstGeom>
+          <a:solidFill>
+            <a:srgbClr val="00B0F0"/>
+          </a:solidFill>
+          <a:ln>
+            <a:noFill/>
+          </a:ln>
+        </p:spPr>
+        <p:style>
+          <a:lnRef idx="2">
+            <a:schemeClr val="accent1">
+              <a:shade val="50000"/>
+            </a:schemeClr>
+          </a:lnRef>
+          <a:fillRef idx="1">
+            <a:schemeClr val="accent1"/>
+          </a:fillRef>
+          <a:effectRef idx="0">
+            <a:schemeClr val="accent1"/>
+          </a:effectRef>
+          <a:fontRef idx="minor">
+            <a:schemeClr val="lt1"/>
+          </a:fontRef>
+        </p:style>
+        <p:txBody>
+          <a:bodyPr rtlCol="0" anchor="ctr"/>
+          <a:lstStyle/>
+          <a:p>
+            <a:pPr algn="ctr"/>
+            <a:endParaRPr lang="en-US"/>
+          </a:p>
+        </p:txBody>
+      </p:sp>
+      <p:pic>
+        <p:nvPicPr>
+          <p:cNvPr id="6" name="Picture 2"/>
+          <p:cNvPicPr>
+            <a:picLocks noChangeAspect="1" noChangeArrowheads="1"/>
+          </p:cNvPicPr>
+          <p:nvPr/>
+        </p:nvPicPr>
+        <p:blipFill rotWithShape="1">
+          <a:blip r:embed="rId2">
+            <a:extLst>
+              <a:ext uri="{28A0092B-C50C-407E-A947-70E740481C1C}">
+                <a14:useLocalDpi xmlns:a14="http://schemas.microsoft.com/office/drawing/2010/main" val="0"/>
+              </a:ext>
+            </a:extLst>
+          </a:blip>
+          <a:srcRect t="32497" b="49558"/>
+          <a:stretch/>
+        </p:blipFill>
+        <p:spPr bwMode="auto">
+          <a:xfrm>
+            <a:off x="304800" y="4562696"/>
+            <a:ext cx="2524383" cy="436228"/>
+          </a:xfrm>
+          <a:prstGeom prst="rect">
+            <a:avLst/>
+          </a:prstGeom>
+          <a:noFill/>
+          <a:ln>
+            <a:noFill/>
+          </a:ln>
+          <a:extLst>
+            <a:ext uri="{909E8E84-426E-40DD-AFC4-6F175D3DCCD1}">
+              <a14:hiddenFill xmlns:a14="http://schemas.microsoft.com/office/drawing/2010/main">
+                <a:solidFill>
+                  <a:schemeClr val="accent1"/>
+                </a:solidFill>
+              </a14:hiddenFill>
+            </a:ext>
+            <a:ext uri="{91240B29-F687-4F45-9708-019B960494DF}">
+              <a14:hiddenLine xmlns:a14="http://schemas.microsoft.com/office/drawing/2010/main" w="9525">
+                <a:solidFill>
+                  <a:schemeClr val="tx1"/>
+                </a:solidFill>
+                <a:miter lim="800000"/>
+                <a:headEnd/>
+                <a:tailEnd/>
+              </a14:hiddenLine>
+            </a:ext>
+          </a:extLst>
+        </p:spPr>
+      </p:pic>
+      <p:sp>
+        <p:nvSpPr>
+          <p:cNvPr id="18" name="Rectangle 17"/>
+          <p:cNvSpPr/>
+          <p:nvPr/>
+        </p:nvSpPr>
+        <p:spPr>
+          <a:xfrm>
+            <a:off x="723900" y="4611899"/>
+            <a:ext cx="376282" cy="353577"/>
+          </a:xfrm>
+          <a:prstGeom prst="rect">
+            <a:avLst/>
+          </a:prstGeom>
+          <a:solidFill>
+            <a:srgbClr val="00B0F0"/>
+          </a:solidFill>
+          <a:ln>
+            <a:noFill/>
+          </a:ln>
+        </p:spPr>
+        <p:style>
+          <a:lnRef idx="2">
+            <a:schemeClr val="accent1">
+              <a:shade val="50000"/>
+            </a:schemeClr>
+          </a:lnRef>
+          <a:fillRef idx="1">
+            <a:schemeClr val="accent1"/>
+          </a:fillRef>
+          <a:effectRef idx="0">
+            <a:schemeClr val="accent1"/>
+          </a:effectRef>
+          <a:fontRef idx="minor">
+            <a:schemeClr val="lt1"/>
+          </a:fontRef>
+        </p:style>
+        <p:txBody>
+          <a:bodyPr rtlCol="0" anchor="ctr"/>
+          <a:lstStyle/>
+          <a:p>
+            <a:pPr algn="ctr"/>
+            <a:endParaRPr lang="en-US"/>
+          </a:p>
+        </p:txBody>
+      </p:sp>
+      <p:sp>
+        <p:nvSpPr>
+          <p:cNvPr id="2" name="Title 1"/>
+          <p:cNvSpPr>
+            <a:spLocks noGrp="1"/>
+          </p:cNvSpPr>
+          <p:nvPr>
+            <p:ph type="title"/>
+          </p:nvPr>
+        </p:nvSpPr>
+        <p:spPr/>
+        <p:txBody>
+          <a:bodyPr>
+            <a:normAutofit fontScale="90000"/>
+          </a:bodyPr>
+          <a:lstStyle/>
+          <a:p>
+            <a:r>
+              <a:rPr lang="en-US" dirty="0" smtClean="0"/>
+              <a:t>Case Rule: </a:t>
+            </a:r>
+            <a:r>
+              <a:rPr lang="en-US" dirty="0" smtClean="0"/>
+              <a:t/>
+            </a:r>
+            <a:br>
+              <a:rPr lang="en-US" dirty="0" smtClean="0"/>
+            </a:br>
+            <a:r>
+              <a:rPr lang="en-US" dirty="0" smtClean="0"/>
+              <a:t>Possible Places</a:t>
+            </a:r>
+            <a:endParaRPr lang="en-US" dirty="0"/>
+          </a:p>
+        </p:txBody>
+      </p:sp>
+      <p:sp>
+        <p:nvSpPr>
+          <p:cNvPr id="3" name="Content Placeholder 2"/>
+          <p:cNvSpPr>
+            <a:spLocks noGrp="1"/>
+          </p:cNvSpPr>
+          <p:nvPr>
+            <p:ph idx="1"/>
+          </p:nvPr>
+        </p:nvSpPr>
+        <p:spPr/>
+        <p:txBody>
+          <a:bodyPr/>
+          <a:lstStyle/>
+          <a:p>
+            <a:r>
+              <a:rPr lang="en-US" dirty="0" smtClean="0"/>
+              <a:t>Given a row/column, the number n occurs in one of the cells of that row/column</a:t>
+            </a:r>
+            <a:endParaRPr lang="en-US" dirty="0"/>
+          </a:p>
+        </p:txBody>
+      </p:sp>
+      <p:pic>
+        <p:nvPicPr>
+          <p:cNvPr id="5" name="Picture 2"/>
+          <p:cNvPicPr>
+            <a:picLocks noChangeAspect="1" noChangeArrowheads="1"/>
+          </p:cNvPicPr>
+          <p:nvPr/>
+        </p:nvPicPr>
+        <p:blipFill rotWithShape="1">
+          <a:blip r:embed="rId2">
+            <a:extLst>
+              <a:ext uri="{28A0092B-C50C-407E-A947-70E740481C1C}">
+                <a14:useLocalDpi xmlns:a14="http://schemas.microsoft.com/office/drawing/2010/main" val="0"/>
+              </a:ext>
+            </a:extLst>
+          </a:blip>
+          <a:srcRect t="32497" b="49558"/>
+          <a:stretch/>
+        </p:blipFill>
+        <p:spPr bwMode="auto">
+          <a:xfrm>
+            <a:off x="3200400" y="2910979"/>
+            <a:ext cx="2524383" cy="436228"/>
+          </a:xfrm>
+          <a:prstGeom prst="rect">
+            <a:avLst/>
+          </a:prstGeom>
+          <a:noFill/>
+          <a:ln>
+            <a:noFill/>
+          </a:ln>
+          <a:extLst>
+            <a:ext uri="{909E8E84-426E-40DD-AFC4-6F175D3DCCD1}">
+              <a14:hiddenFill xmlns:a14="http://schemas.microsoft.com/office/drawing/2010/main">
+                <a:solidFill>
+                  <a:schemeClr val="accent1"/>
+                </a:solidFill>
+              </a14:hiddenFill>
+            </a:ext>
+            <a:ext uri="{91240B29-F687-4F45-9708-019B960494DF}">
+              <a14:hiddenLine xmlns:a14="http://schemas.microsoft.com/office/drawing/2010/main" w="9525">
+                <a:solidFill>
+                  <a:schemeClr val="tx1"/>
+                </a:solidFill>
+                <a:miter lim="800000"/>
+                <a:headEnd/>
+                <a:tailEnd/>
+              </a14:hiddenLine>
+            </a:ext>
+          </a:extLst>
+        </p:spPr>
+      </p:pic>
+      <p:sp>
+        <p:nvSpPr>
+          <p:cNvPr id="4" name="TextBox 3"/>
+          <p:cNvSpPr txBox="1"/>
+          <p:nvPr/>
+        </p:nvSpPr>
+        <p:spPr>
+          <a:xfrm>
+            <a:off x="1219200" y="4604021"/>
+            <a:ext cx="300082" cy="369332"/>
+          </a:xfrm>
+          <a:prstGeom prst="rect">
+            <a:avLst/>
+          </a:prstGeom>
+          <a:noFill/>
         </p:spPr>
         <p:txBody>
           <a:bodyPr wrap="none" rtlCol="0">
@@ -3258,20 +3561,332 @@
           <a:lstStyle/>
           <a:p>
             <a:r>
-              <a:rPr lang="en-US" sz="3200" dirty="0">
-                <a:solidFill>
-                  <a:srgbClr val="FF0000"/>
+              <a:rPr lang="en-US" dirty="0" smtClean="0">
+                <a:solidFill>
+                  <a:schemeClr val="bg1"/>
+                </a:solidFill>
+              </a:rPr>
+              <a:t>3</a:t>
+            </a:r>
+          </a:p>
+        </p:txBody>
+      </p:sp>
+      <p:sp>
+        <p:nvSpPr>
+          <p:cNvPr id="9" name="TextBox 8"/>
+          <p:cNvSpPr txBox="1"/>
+          <p:nvPr/>
+        </p:nvSpPr>
+        <p:spPr>
+          <a:xfrm>
+            <a:off x="4187762" y="4619697"/>
+            <a:ext cx="300082" cy="369332"/>
+          </a:xfrm>
+          <a:prstGeom prst="rect">
+            <a:avLst/>
+          </a:prstGeom>
+          <a:noFill/>
+        </p:spPr>
+        <p:txBody>
+          <a:bodyPr wrap="none" rtlCol="0">
+            <a:spAutoFit/>
+          </a:bodyPr>
+          <a:lstStyle/>
+          <a:p>
+            <a:r>
+              <a:rPr lang="en-US" dirty="0" smtClean="0">
+                <a:solidFill>
+                  <a:schemeClr val="bg1"/>
+                </a:solidFill>
+              </a:rPr>
+              <a:t>3</a:t>
+            </a:r>
+          </a:p>
+        </p:txBody>
+      </p:sp>
+      <p:sp>
+        <p:nvSpPr>
+          <p:cNvPr id="13" name="TextBox 12"/>
+          <p:cNvSpPr txBox="1"/>
+          <p:nvPr/>
+        </p:nvSpPr>
+        <p:spPr>
+          <a:xfrm>
+            <a:off x="7315200" y="4611899"/>
+            <a:ext cx="300082" cy="369332"/>
+          </a:xfrm>
+          <a:prstGeom prst="rect">
+            <a:avLst/>
+          </a:prstGeom>
+          <a:noFill/>
+        </p:spPr>
+        <p:txBody>
+          <a:bodyPr wrap="none" rtlCol="0">
+            <a:spAutoFit/>
+          </a:bodyPr>
+          <a:lstStyle/>
+          <a:p>
+            <a:r>
+              <a:rPr lang="en-US" dirty="0" smtClean="0">
+                <a:solidFill>
+                  <a:schemeClr val="bg1"/>
+                </a:solidFill>
+              </a:rPr>
+              <a:t>3</a:t>
+            </a:r>
+          </a:p>
+        </p:txBody>
+      </p:sp>
+      <p:cxnSp>
+        <p:nvCxnSpPr>
+          <p:cNvPr id="14" name="Straight Arrow Connector 13"/>
+          <p:cNvCxnSpPr/>
+          <p:nvPr/>
+        </p:nvCxnSpPr>
+        <p:spPr>
+          <a:xfrm flipH="1">
+            <a:off x="1566991" y="3429000"/>
+            <a:ext cx="2547809" cy="990600"/>
+          </a:xfrm>
+          <a:prstGeom prst="straightConnector1">
+            <a:avLst/>
+          </a:prstGeom>
+          <a:ln>
+            <a:tailEnd type="arrow"/>
+          </a:ln>
+        </p:spPr>
+        <p:style>
+          <a:lnRef idx="3">
+            <a:schemeClr val="dk1"/>
+          </a:lnRef>
+          <a:fillRef idx="0">
+            <a:schemeClr val="dk1"/>
+          </a:fillRef>
+          <a:effectRef idx="2">
+            <a:schemeClr val="dk1"/>
+          </a:effectRef>
+          <a:fontRef idx="minor">
+            <a:schemeClr val="tx1"/>
+          </a:fontRef>
+        </p:style>
+      </p:cxnSp>
+      <p:cxnSp>
+        <p:nvCxnSpPr>
+          <p:cNvPr id="20" name="Straight Arrow Connector 19"/>
+          <p:cNvCxnSpPr/>
+          <p:nvPr/>
+        </p:nvCxnSpPr>
+        <p:spPr>
+          <a:xfrm>
+            <a:off x="4462591" y="3429000"/>
+            <a:ext cx="0" cy="990600"/>
+          </a:xfrm>
+          <a:prstGeom prst="straightConnector1">
+            <a:avLst/>
+          </a:prstGeom>
+          <a:ln>
+            <a:tailEnd type="arrow"/>
+          </a:ln>
+        </p:spPr>
+        <p:style>
+          <a:lnRef idx="3">
+            <a:schemeClr val="dk1"/>
+          </a:lnRef>
+          <a:fillRef idx="0">
+            <a:schemeClr val="dk1"/>
+          </a:fillRef>
+          <a:effectRef idx="2">
+            <a:schemeClr val="dk1"/>
+          </a:effectRef>
+          <a:fontRef idx="minor">
+            <a:schemeClr val="tx1"/>
+          </a:fontRef>
+        </p:style>
+      </p:cxnSp>
+      <p:cxnSp>
+        <p:nvCxnSpPr>
+          <p:cNvPr id="22" name="Straight Arrow Connector 21"/>
+          <p:cNvCxnSpPr/>
+          <p:nvPr/>
+        </p:nvCxnSpPr>
+        <p:spPr>
+          <a:xfrm>
+            <a:off x="4876800" y="3429000"/>
+            <a:ext cx="2895600" cy="995494"/>
+          </a:xfrm>
+          <a:prstGeom prst="straightConnector1">
+            <a:avLst/>
+          </a:prstGeom>
+          <a:ln>
+            <a:tailEnd type="arrow"/>
+          </a:ln>
+        </p:spPr>
+        <p:style>
+          <a:lnRef idx="3">
+            <a:schemeClr val="dk1"/>
+          </a:lnRef>
+          <a:fillRef idx="0">
+            <a:schemeClr val="dk1"/>
+          </a:fillRef>
+          <a:effectRef idx="2">
+            <a:schemeClr val="dk1"/>
+          </a:effectRef>
+          <a:fontRef idx="minor">
+            <a:schemeClr val="tx1"/>
+          </a:fontRef>
+        </p:style>
+      </p:cxnSp>
+      <p:sp>
+        <p:nvSpPr>
+          <p:cNvPr id="17" name="TextBox 16"/>
+          <p:cNvSpPr txBox="1"/>
+          <p:nvPr/>
+        </p:nvSpPr>
+        <p:spPr>
+          <a:xfrm>
+            <a:off x="4112878" y="2942381"/>
+            <a:ext cx="300082" cy="369332"/>
+          </a:xfrm>
+          <a:prstGeom prst="rect">
+            <a:avLst/>
+          </a:prstGeom>
+          <a:noFill/>
+        </p:spPr>
+        <p:txBody>
+          <a:bodyPr wrap="none" rtlCol="0">
+            <a:spAutoFit/>
+          </a:bodyPr>
+          <a:lstStyle/>
+          <a:p>
+            <a:r>
+              <a:rPr lang="en-US" dirty="0" smtClean="0">
+                <a:solidFill>
+                  <a:schemeClr val="bg1"/>
+                </a:solidFill>
+              </a:rPr>
+              <a:t>3</a:t>
+            </a:r>
+          </a:p>
+        </p:txBody>
+      </p:sp>
+      <p:sp>
+        <p:nvSpPr>
+          <p:cNvPr id="23" name="TextBox 22"/>
+          <p:cNvSpPr txBox="1"/>
+          <p:nvPr/>
+        </p:nvSpPr>
+        <p:spPr>
+          <a:xfrm>
+            <a:off x="762000" y="4611899"/>
+            <a:ext cx="300082" cy="369332"/>
+          </a:xfrm>
+          <a:prstGeom prst="rect">
+            <a:avLst/>
+          </a:prstGeom>
+          <a:noFill/>
+        </p:spPr>
+        <p:txBody>
+          <a:bodyPr wrap="none" rtlCol="0">
+            <a:spAutoFit/>
+          </a:bodyPr>
+          <a:lstStyle/>
+          <a:p>
+            <a:r>
+              <a:rPr lang="en-US" dirty="0">
+                <a:solidFill>
+                  <a:schemeClr val="bg1"/>
                 </a:solidFill>
               </a:rPr>
               <a:t>2</a:t>
             </a:r>
+            <a:endParaRPr lang="en-US" dirty="0" smtClean="0">
+              <a:solidFill>
+                <a:schemeClr val="bg1"/>
+              </a:solidFill>
+            </a:endParaRPr>
+          </a:p>
+        </p:txBody>
+      </p:sp>
+      <p:sp>
+        <p:nvSpPr>
+          <p:cNvPr id="24" name="TextBox 23"/>
+          <p:cNvSpPr txBox="1"/>
+          <p:nvPr/>
+        </p:nvSpPr>
+        <p:spPr>
+          <a:xfrm>
+            <a:off x="4648200" y="4596252"/>
+            <a:ext cx="300082" cy="369332"/>
+          </a:xfrm>
+          <a:prstGeom prst="rect">
+            <a:avLst/>
+          </a:prstGeom>
+          <a:noFill/>
+        </p:spPr>
+        <p:txBody>
+          <a:bodyPr wrap="none" rtlCol="0">
+            <a:spAutoFit/>
+          </a:bodyPr>
+          <a:lstStyle/>
+          <a:p>
+            <a:r>
+              <a:rPr lang="en-US" dirty="0">
+                <a:solidFill>
+                  <a:schemeClr val="bg1"/>
+                </a:solidFill>
+              </a:rPr>
+              <a:t>2</a:t>
+            </a:r>
+            <a:endParaRPr lang="en-US" dirty="0" smtClean="0">
+              <a:solidFill>
+                <a:schemeClr val="bg1"/>
+              </a:solidFill>
+            </a:endParaRPr>
+          </a:p>
+        </p:txBody>
+      </p:sp>
+      <p:sp>
+        <p:nvSpPr>
+          <p:cNvPr id="25" name="TextBox 24"/>
+          <p:cNvSpPr txBox="1"/>
+          <p:nvPr/>
+        </p:nvSpPr>
+        <p:spPr>
+          <a:xfrm>
+            <a:off x="8229600" y="4596252"/>
+            <a:ext cx="300082" cy="369332"/>
+          </a:xfrm>
+          <a:prstGeom prst="rect">
+            <a:avLst/>
+          </a:prstGeom>
+          <a:noFill/>
+        </p:spPr>
+        <p:txBody>
+          <a:bodyPr wrap="none" rtlCol="0">
+            <a:spAutoFit/>
+          </a:bodyPr>
+          <a:lstStyle/>
+          <a:p>
+            <a:r>
+              <a:rPr lang="en-US" dirty="0">
+                <a:solidFill>
+                  <a:schemeClr val="bg1"/>
+                </a:solidFill>
+              </a:rPr>
+              <a:t>2</a:t>
+            </a:r>
+            <a:endParaRPr lang="en-US" dirty="0" smtClean="0">
+              <a:solidFill>
+                <a:schemeClr val="bg1"/>
+              </a:solidFill>
+            </a:endParaRPr>
           </a:p>
         </p:txBody>
       </p:sp>
     </p:spTree>
     <p:extLst>
       <p:ext uri="{BB962C8B-B14F-4D97-AF65-F5344CB8AC3E}">
-        <p14:creationId xmlns:p14="http://schemas.microsoft.com/office/powerpoint/2010/main" val="1346241792"/>
+        <p14:creationId xmlns:p14="http://schemas.microsoft.com/office/powerpoint/2010/main" val="2233234900"/>
       </p:ext>
     </p:extLst>
   </p:cSld>
@@ -3312,146 +3927,28 @@
             <a:spLocks noGrp="1"/>
           </p:cNvSpPr>
           <p:nvPr>
-            <p:ph type="title"/>
+            <p:ph type="ctrTitle"/>
           </p:nvPr>
         </p:nvSpPr>
         <p:spPr/>
         <p:txBody>
           <a:bodyPr>
-            <a:normAutofit fontScale="90000"/>
+            <a:normAutofit/>
           </a:bodyPr>
           <a:lstStyle/>
           <a:p>
             <a:r>
               <a:rPr lang="en-US" dirty="0" smtClean="0"/>
-              <a:t>Basic Rule: </a:t>
-            </a:r>
-            <a:r>
-              <a:rPr lang="en-US" dirty="0" smtClean="0"/>
-              <a:t>Last Number </a:t>
-            </a:r>
-            <a:r>
-              <a:rPr lang="en-US" smtClean="0"/>
-              <a:t>for Square</a:t>
+              <a:t>CONTRADICTION Rules</a:t>
             </a:r>
             <a:endParaRPr lang="en-US" dirty="0"/>
-          </a:p>
-        </p:txBody>
-      </p:sp>
-      <p:sp>
-        <p:nvSpPr>
-          <p:cNvPr id="3" name="Content Placeholder 2"/>
-          <p:cNvSpPr>
-            <a:spLocks noGrp="1"/>
-          </p:cNvSpPr>
-          <p:nvPr>
-            <p:ph idx="1"/>
-          </p:nvPr>
-        </p:nvSpPr>
-        <p:spPr/>
-        <p:txBody>
-          <a:bodyPr/>
-          <a:lstStyle/>
-          <a:p>
-            <a:r>
-              <a:rPr lang="en-US" dirty="0" smtClean="0"/>
-              <a:t>A certain number is the only one that can possibly appear in that square.</a:t>
-            </a:r>
-            <a:endParaRPr lang="en-US" dirty="0"/>
-          </a:p>
-        </p:txBody>
-      </p:sp>
-      <p:pic>
-        <p:nvPicPr>
-          <p:cNvPr id="2050" name="Picture 2"/>
-          <p:cNvPicPr>
-            <a:picLocks noChangeAspect="1" noChangeArrowheads="1"/>
-          </p:cNvPicPr>
-          <p:nvPr/>
-        </p:nvPicPr>
-        <p:blipFill>
-          <a:blip r:embed="rId2">
-            <a:extLst>
-              <a:ext uri="{28A0092B-C50C-407E-A947-70E740481C1C}">
-                <a14:useLocalDpi xmlns:a14="http://schemas.microsoft.com/office/drawing/2010/main" val="0"/>
-              </a:ext>
-            </a:extLst>
-          </a:blip>
-          <a:srcRect/>
-          <a:stretch>
-            <a:fillRect/>
-          </a:stretch>
-        </p:blipFill>
-        <p:spPr bwMode="auto">
-          <a:xfrm>
-            <a:off x="2469776" y="2971800"/>
-            <a:ext cx="3657600" cy="3565003"/>
-          </a:xfrm>
-          <a:prstGeom prst="rect">
-            <a:avLst/>
-          </a:prstGeom>
-          <a:noFill/>
-          <a:ln>
-            <a:noFill/>
-          </a:ln>
-          <a:extLst>
-            <a:ext uri="{909E8E84-426E-40DD-AFC4-6F175D3DCCD1}">
-              <a14:hiddenFill xmlns:a14="http://schemas.microsoft.com/office/drawing/2010/main">
-                <a:solidFill>
-                  <a:schemeClr val="accent1"/>
-                </a:solidFill>
-              </a14:hiddenFill>
-            </a:ext>
-            <a:ext uri="{91240B29-F687-4F45-9708-019B960494DF}">
-              <a14:hiddenLine xmlns:a14="http://schemas.microsoft.com/office/drawing/2010/main" w="9525">
-                <a:solidFill>
-                  <a:schemeClr val="tx1"/>
-                </a:solidFill>
-                <a:miter lim="800000"/>
-                <a:headEnd/>
-                <a:tailEnd/>
-              </a14:hiddenLine>
-            </a:ext>
-          </a:extLst>
-        </p:spPr>
-      </p:pic>
-      <p:sp>
-        <p:nvSpPr>
-          <p:cNvPr id="5" name="TextBox 4"/>
-          <p:cNvSpPr txBox="1"/>
-          <p:nvPr/>
-        </p:nvSpPr>
-        <p:spPr>
-          <a:xfrm>
-            <a:off x="3688805" y="3124200"/>
-            <a:ext cx="389850" cy="584775"/>
-          </a:xfrm>
-          <a:prstGeom prst="rect">
-            <a:avLst/>
-          </a:prstGeom>
-          <a:noFill/>
-        </p:spPr>
-        <p:txBody>
-          <a:bodyPr wrap="none" rtlCol="0">
-            <a:spAutoFit/>
-          </a:bodyPr>
-          <a:lstStyle/>
-          <a:p>
-            <a:r>
-              <a:rPr lang="en-US" sz="3200" dirty="0">
-                <a:solidFill>
-                  <a:srgbClr val="FF0000"/>
-                </a:solidFill>
-              </a:rPr>
-              <a:t>2</a:t>
-            </a:r>
           </a:p>
         </p:txBody>
       </p:sp>
     </p:spTree>
     <p:extLst>
       <p:ext uri="{BB962C8B-B14F-4D97-AF65-F5344CB8AC3E}">
-        <p14:creationId xmlns:p14="http://schemas.microsoft.com/office/powerpoint/2010/main" val="2606694398"/>
+        <p14:creationId xmlns:p14="http://schemas.microsoft.com/office/powerpoint/2010/main" val="2298339310"/>
       </p:ext>
     </p:extLst>
   </p:cSld>
@@ -3497,50 +3994,104 @@
         </p:nvSpPr>
         <p:spPr/>
         <p:txBody>
+          <a:bodyPr>
+            <a:normAutofit fontScale="90000"/>
+          </a:bodyPr>
+          <a:lstStyle/>
+          <a:p>
+            <a:r>
+              <a:rPr lang="en-US" dirty="0" smtClean="0"/>
+              <a:t>Contradiction: </a:t>
+            </a:r>
+            <a:r>
+              <a:rPr lang="en-US" dirty="0" smtClean="0"/>
+              <a:t>Duplicate Number</a:t>
+            </a:r>
+            <a:endParaRPr lang="en-US" dirty="0"/>
+          </a:p>
+        </p:txBody>
+      </p:sp>
+      <p:sp>
+        <p:nvSpPr>
+          <p:cNvPr id="3" name="Content Placeholder 2"/>
+          <p:cNvSpPr>
+            <a:spLocks noGrp="1"/>
+          </p:cNvSpPr>
+          <p:nvPr>
+            <p:ph idx="1"/>
+          </p:nvPr>
+        </p:nvSpPr>
+        <p:spPr/>
+        <p:txBody>
           <a:bodyPr/>
           <a:lstStyle/>
           <a:p>
             <a:r>
               <a:rPr lang="en-US" dirty="0" smtClean="0"/>
-              <a:t>Non-clone rules:</a:t>
+              <a:t>Number appears twice in the same row or column.</a:t>
             </a:r>
             <a:endParaRPr lang="en-US" dirty="0"/>
           </a:p>
         </p:txBody>
       </p:sp>
-      <p:sp>
-        <p:nvSpPr>
-          <p:cNvPr id="3" name="Content Placeholder 2"/>
-          <p:cNvSpPr>
-            <a:spLocks noGrp="1"/>
-          </p:cNvSpPr>
-          <p:nvPr>
-            <p:ph idx="1"/>
-          </p:nvPr>
-        </p:nvSpPr>
-        <p:spPr/>
-        <p:txBody>
-          <a:bodyPr/>
-          <a:lstStyle/>
-          <a:p>
-            <a:r>
-              <a:rPr lang="en-US" dirty="0" smtClean="0"/>
-              <a:t>1-Edge, N-Edge, Fixed Max</a:t>
-            </a:r>
-          </a:p>
-          <a:p>
-            <a:r>
-              <a:rPr lang="en-US" dirty="0" smtClean="0"/>
-              <a:t>Exceeding Visibility, Insufficient Visibility</a:t>
-            </a:r>
-            <a:endParaRPr lang="en-US" dirty="0"/>
-          </a:p>
-        </p:txBody>
-      </p:sp>
+      <p:pic>
+        <p:nvPicPr>
+          <p:cNvPr id="3076" name="Picture 4"/>
+          <p:cNvPicPr>
+            <a:picLocks noChangeAspect="1" noChangeArrowheads="1"/>
+          </p:cNvPicPr>
+          <p:nvPr/>
+        </p:nvPicPr>
+        <p:blipFill>
+          <a:blip r:embed="rId2">
+            <a:extLst>
+              <a:ext uri="{28A0092B-C50C-407E-A947-70E740481C1C}">
+                <a14:useLocalDpi xmlns:a14="http://schemas.microsoft.com/office/drawing/2010/main" val="0"/>
+              </a:ext>
+            </a:extLst>
+          </a:blip>
+          <a:srcRect/>
+          <a:stretch>
+            <a:fillRect/>
+          </a:stretch>
+        </p:blipFill>
+        <p:spPr bwMode="auto">
+          <a:xfrm>
+            <a:off x="2514600" y="2684929"/>
+            <a:ext cx="3657600" cy="3535680"/>
+          </a:xfrm>
+          <a:prstGeom prst="rect">
+            <a:avLst/>
+          </a:prstGeom>
+          <a:noFill/>
+          <a:ln>
+            <a:noFill/>
+          </a:ln>
+          <a:extLst>
+            <a:ext uri="{909E8E84-426E-40DD-AFC4-6F175D3DCCD1}">
+              <a14:hiddenFill xmlns:a14="http://schemas.microsoft.com/office/drawing/2010/main">
+                <a:solidFill>
+                  <a:schemeClr val="accent1"/>
+                </a:solidFill>
+              </a14:hiddenFill>
+            </a:ext>
+            <a:ext uri="{91240B29-F687-4F45-9708-019B960494DF}">
+              <a14:hiddenLine xmlns:a14="http://schemas.microsoft.com/office/drawing/2010/main" w="9525">
+                <a:solidFill>
+                  <a:schemeClr val="tx1"/>
+                </a:solidFill>
+                <a:miter lim="800000"/>
+                <a:headEnd/>
+                <a:tailEnd/>
+              </a14:hiddenLine>
+            </a:ext>
+          </a:extLst>
+        </p:spPr>
+      </p:pic>
     </p:spTree>
     <p:extLst>
       <p:ext uri="{BB962C8B-B14F-4D97-AF65-F5344CB8AC3E}">
-        <p14:creationId xmlns:p14="http://schemas.microsoft.com/office/powerpoint/2010/main" val="602493195"/>
+        <p14:creationId xmlns:p14="http://schemas.microsoft.com/office/powerpoint/2010/main" val="2921499076"/>
       </p:ext>
     </p:extLst>
   </p:cSld>
@@ -3593,7 +4144,11 @@
           <a:p>
             <a:r>
               <a:rPr lang="en-US" dirty="0" smtClean="0"/>
-              <a:t>Contradiction: Exceeding Visibility</a:t>
+              <a:t>Contradiction: </a:t>
+            </a:r>
+            <a:r>
+              <a:rPr lang="en-US" dirty="0" smtClean="0"/>
+              <a:t>Unresolved Cell</a:t>
             </a:r>
             <a:endParaRPr lang="en-US" dirty="0"/>
           </a:p>
@@ -3616,7 +4171,7 @@
           <a:p>
             <a:r>
               <a:rPr lang="en-US" dirty="0" smtClean="0"/>
-              <a:t>More skyscrapers are visible than there should be.</a:t>
+              <a:t>Elimination leaves no possible number for a cell.</a:t>
             </a:r>
             <a:endParaRPr lang="en-US" dirty="0"/>
           </a:p>
@@ -3624,7 +4179,7 @@
       </p:sp>
       <p:pic>
         <p:nvPicPr>
-          <p:cNvPr id="8194" name="Picture 2"/>
+          <p:cNvPr id="4098" name="Picture 2"/>
           <p:cNvPicPr>
             <a:picLocks noChangeAspect="1" noChangeArrowheads="1"/>
           </p:cNvPicPr>
@@ -3645,8 +4200,8 @@
         </p:blipFill>
         <p:spPr bwMode="auto">
           <a:xfrm>
-            <a:off x="2286000" y="2209799"/>
-            <a:ext cx="4648200" cy="4331565"/>
+            <a:off x="2667000" y="2743200"/>
+            <a:ext cx="3657600" cy="3535680"/>
           </a:xfrm>
           <a:prstGeom prst="rect">
             <a:avLst/>
@@ -3679,7 +4234,7 @@
     </p:spTree>
     <p:extLst>
       <p:ext uri="{BB962C8B-B14F-4D97-AF65-F5344CB8AC3E}">
-        <p14:creationId xmlns:p14="http://schemas.microsoft.com/office/powerpoint/2010/main" val="2289222433"/>
+        <p14:creationId xmlns:p14="http://schemas.microsoft.com/office/powerpoint/2010/main" val="2679387796"/>
       </p:ext>
     </p:extLst>
   </p:cSld>
@@ -3732,7 +4287,7 @@
           <a:p>
             <a:r>
               <a:rPr lang="en-US" dirty="0" smtClean="0"/>
-              <a:t>Contradiction: Insufficient Visibility</a:t>
+              <a:t>Contradiction: Exceeding Visibility</a:t>
             </a:r>
             <a:endParaRPr lang="en-US" dirty="0"/>
           </a:p>
@@ -3755,14 +4310,15 @@
           <a:p>
             <a:r>
               <a:rPr lang="en-US" dirty="0" smtClean="0"/>
-              <a:t>Less skyscrapers are visible than there should be.</a:t>
-            </a:r>
+              <a:t>More skyscrapers are visible than there should be.</a:t>
+            </a:r>
+            <a:endParaRPr lang="en-US" dirty="0"/>
           </a:p>
         </p:txBody>
       </p:sp>
       <p:pic>
         <p:nvPicPr>
-          <p:cNvPr id="9218" name="Picture 2"/>
+          <p:cNvPr id="8194" name="Picture 2"/>
           <p:cNvPicPr>
             <a:picLocks noChangeAspect="1" noChangeArrowheads="1"/>
           </p:cNvPicPr>
@@ -3783,8 +4339,8 @@
         </p:blipFill>
         <p:spPr bwMode="auto">
           <a:xfrm>
-            <a:off x="2133600" y="2438400"/>
-            <a:ext cx="4624979" cy="4191000"/>
+            <a:off x="2286000" y="2209799"/>
+            <a:ext cx="4648200" cy="4331565"/>
           </a:xfrm>
           <a:prstGeom prst="rect">
             <a:avLst/>
@@ -3817,7 +4373,7 @@
     </p:spTree>
     <p:extLst>
       <p:ext uri="{BB962C8B-B14F-4D97-AF65-F5344CB8AC3E}">
-        <p14:creationId xmlns:p14="http://schemas.microsoft.com/office/powerpoint/2010/main" val="3473032006"/>
+        <p14:creationId xmlns:p14="http://schemas.microsoft.com/office/powerpoint/2010/main" val="2289222433"/>
       </p:ext>
     </p:extLst>
   </p:cSld>
@@ -3863,43 +4419,44 @@
         </p:nvSpPr>
         <p:spPr/>
         <p:txBody>
+          <a:bodyPr>
+            <a:normAutofit fontScale="90000"/>
+          </a:bodyPr>
+          <a:lstStyle/>
+          <a:p>
+            <a:r>
+              <a:rPr lang="en-US" dirty="0" smtClean="0"/>
+              <a:t>Contradiction: Insufficient Visibility</a:t>
+            </a:r>
+            <a:endParaRPr lang="en-US" dirty="0"/>
+          </a:p>
+        </p:txBody>
+      </p:sp>
+      <p:sp>
+        <p:nvSpPr>
+          <p:cNvPr id="3" name="Content Placeholder 2"/>
+          <p:cNvSpPr>
+            <a:spLocks noGrp="1"/>
+          </p:cNvSpPr>
+          <p:nvPr>
+            <p:ph idx="1"/>
+          </p:nvPr>
+        </p:nvSpPr>
+        <p:spPr/>
+        <p:txBody>
           <a:bodyPr/>
           <a:lstStyle/>
           <a:p>
             <a:r>
               <a:rPr lang="en-US" dirty="0" smtClean="0"/>
-              <a:t>Basic Rule: 1-Edge</a:t>
-            </a:r>
-            <a:endParaRPr lang="en-US" dirty="0"/>
-          </a:p>
-        </p:txBody>
-      </p:sp>
-      <p:sp>
-        <p:nvSpPr>
-          <p:cNvPr id="3" name="Content Placeholder 2"/>
-          <p:cNvSpPr>
-            <a:spLocks noGrp="1"/>
-          </p:cNvSpPr>
-          <p:nvPr>
-            <p:ph idx="1"/>
-          </p:nvPr>
-        </p:nvSpPr>
-        <p:spPr/>
-        <p:txBody>
-          <a:bodyPr/>
-          <a:lstStyle/>
-          <a:p>
-            <a:r>
-              <a:rPr lang="en-US" dirty="0" smtClean="0"/>
-              <a:t>If you have a 1 on an edge, put n in the adjacent square.</a:t>
-            </a:r>
-            <a:endParaRPr lang="en-US" dirty="0"/>
+              <a:t>Less skyscrapers are visible than there should be.</a:t>
+            </a:r>
           </a:p>
         </p:txBody>
       </p:sp>
       <p:pic>
         <p:nvPicPr>
-          <p:cNvPr id="6146" name="Picture 2"/>
+          <p:cNvPr id="9218" name="Picture 2"/>
           <p:cNvPicPr>
             <a:picLocks noChangeAspect="1" noChangeArrowheads="1"/>
           </p:cNvPicPr>
@@ -3920,8 +4477,8 @@
         </p:blipFill>
         <p:spPr bwMode="auto">
           <a:xfrm>
-            <a:off x="3962400" y="2209800"/>
-            <a:ext cx="4823482" cy="4495800"/>
+            <a:off x="2133600" y="2438400"/>
+            <a:ext cx="4624979" cy="4191000"/>
           </a:xfrm>
           <a:prstGeom prst="rect">
             <a:avLst/>
@@ -3954,7 +4511,7 @@
     </p:spTree>
     <p:extLst>
       <p:ext uri="{BB962C8B-B14F-4D97-AF65-F5344CB8AC3E}">
-        <p14:creationId xmlns:p14="http://schemas.microsoft.com/office/powerpoint/2010/main" val="3971862446"/>
+        <p14:creationId xmlns:p14="http://schemas.microsoft.com/office/powerpoint/2010/main" val="3473032006"/>
       </p:ext>
     </p:extLst>
   </p:cSld>
@@ -3995,103 +4552,28 @@
             <a:spLocks noGrp="1"/>
           </p:cNvSpPr>
           <p:nvPr>
-            <p:ph type="title"/>
+            <p:ph type="ctrTitle"/>
           </p:nvPr>
         </p:nvSpPr>
         <p:spPr/>
         <p:txBody>
-          <a:bodyPr/>
+          <a:bodyPr>
+            <a:normAutofit/>
+          </a:bodyPr>
           <a:lstStyle/>
           <a:p>
             <a:r>
               <a:rPr lang="en-US" dirty="0" smtClean="0"/>
-              <a:t>Basic Rule: N-Edge</a:t>
+              <a:t>BASIC Rules</a:t>
             </a:r>
             <a:endParaRPr lang="en-US" dirty="0"/>
           </a:p>
         </p:txBody>
       </p:sp>
-      <p:sp>
-        <p:nvSpPr>
-          <p:cNvPr id="3" name="Content Placeholder 2"/>
-          <p:cNvSpPr>
-            <a:spLocks noGrp="1"/>
-          </p:cNvSpPr>
-          <p:nvPr>
-            <p:ph idx="1"/>
-          </p:nvPr>
-        </p:nvSpPr>
-        <p:spPr/>
-        <p:txBody>
-          <a:bodyPr/>
-          <a:lstStyle/>
-          <a:p>
-            <a:r>
-              <a:rPr lang="en-US" dirty="0" smtClean="0"/>
-              <a:t>If the maximum number appears on an edge, the row or column’s numbers appear in ascending order, starting at that edge.</a:t>
-            </a:r>
-            <a:endParaRPr lang="en-US" dirty="0"/>
-          </a:p>
-        </p:txBody>
-      </p:sp>
-      <p:pic>
-        <p:nvPicPr>
-          <p:cNvPr id="10242" name="Picture 2"/>
-          <p:cNvPicPr>
-            <a:picLocks noChangeAspect="1" noChangeArrowheads="1"/>
-          </p:cNvPicPr>
-          <p:nvPr/>
-        </p:nvPicPr>
-        <p:blipFill>
-          <a:blip r:embed="rId2">
-            <a:extLst>
-              <a:ext uri="{28A0092B-C50C-407E-A947-70E740481C1C}">
-                <a14:useLocalDpi xmlns:a14="http://schemas.microsoft.com/office/drawing/2010/main" val="0"/>
-              </a:ext>
-            </a:extLst>
-          </a:blip>
-          <a:srcRect/>
-          <a:stretch>
-            <a:fillRect/>
-          </a:stretch>
-        </p:blipFill>
-        <p:spPr bwMode="auto">
-          <a:xfrm>
-            <a:off x="2286000" y="3047999"/>
-            <a:ext cx="3657600" cy="3573517"/>
-          </a:xfrm>
-          <a:prstGeom prst="rect">
-            <a:avLst/>
-          </a:prstGeom>
-          <a:noFill/>
-          <a:ln>
-            <a:noFill/>
-          </a:ln>
-          <a:extLst>
-            <a:ext uri="{909E8E84-426E-40DD-AFC4-6F175D3DCCD1}">
-              <a14:hiddenFill xmlns:a14="http://schemas.microsoft.com/office/drawing/2010/main">
-                <a:solidFill>
-                  <a:schemeClr val="accent1"/>
-                </a:solidFill>
-              </a14:hiddenFill>
-            </a:ext>
-            <a:ext uri="{91240B29-F687-4F45-9708-019B960494DF}">
-              <a14:hiddenLine xmlns:a14="http://schemas.microsoft.com/office/drawing/2010/main" w="9525">
-                <a:solidFill>
-                  <a:schemeClr val="tx1"/>
-                </a:solidFill>
-                <a:miter lim="800000"/>
-                <a:headEnd/>
-                <a:tailEnd/>
-              </a14:hiddenLine>
-            </a:ext>
-          </a:extLst>
-        </p:spPr>
-      </p:pic>
     </p:spTree>
     <p:extLst>
       <p:ext uri="{BB962C8B-B14F-4D97-AF65-F5344CB8AC3E}">
-        <p14:creationId xmlns:p14="http://schemas.microsoft.com/office/powerpoint/2010/main" val="2792006482"/>
+        <p14:creationId xmlns:p14="http://schemas.microsoft.com/office/powerpoint/2010/main" val="2949382216"/>
       </p:ext>
     </p:extLst>
   </p:cSld>
@@ -4137,39 +4619,69 @@
         </p:nvSpPr>
         <p:spPr/>
         <p:txBody>
+          <a:bodyPr>
+            <a:normAutofit/>
+          </a:bodyPr>
+          <a:lstStyle/>
+          <a:p>
+            <a:r>
+              <a:rPr lang="en-US" dirty="0" smtClean="0"/>
+              <a:t>Basic Rule: Last </a:t>
+            </a:r>
+            <a:r>
+              <a:rPr lang="en-US" dirty="0" smtClean="0"/>
+              <a:t>Cell</a:t>
+            </a:r>
+            <a:endParaRPr lang="en-US" dirty="0"/>
+          </a:p>
+        </p:txBody>
+      </p:sp>
+      <p:sp>
+        <p:nvSpPr>
+          <p:cNvPr id="3" name="Content Placeholder 2"/>
+          <p:cNvSpPr>
+            <a:spLocks noGrp="1"/>
+          </p:cNvSpPr>
+          <p:nvPr>
+            <p:ph idx="1"/>
+          </p:nvPr>
+        </p:nvSpPr>
+        <p:spPr/>
+        <p:txBody>
           <a:bodyPr/>
           <a:lstStyle/>
           <a:p>
             <a:r>
               <a:rPr lang="en-US" dirty="0" smtClean="0"/>
-              <a:t>Basic Rule: Fixed Max</a:t>
-            </a:r>
-            <a:endParaRPr lang="en-US" dirty="0"/>
-          </a:p>
-        </p:txBody>
-      </p:sp>
-      <p:sp>
-        <p:nvSpPr>
-          <p:cNvPr id="3" name="Content Placeholder 2"/>
-          <p:cNvSpPr>
-            <a:spLocks noGrp="1"/>
-          </p:cNvSpPr>
-          <p:nvPr>
-            <p:ph idx="1"/>
-          </p:nvPr>
-        </p:nvSpPr>
-        <p:spPr/>
-        <p:txBody>
-          <a:bodyPr/>
-          <a:lstStyle/>
-          <a:p>
+              <a:t>A certain number must go in a certain </a:t>
+            </a:r>
             <a:r>
               <a:rPr lang="en-US" dirty="0" smtClean="0"/>
-              <a:t>If the sum of two opposing edges is n+1, the maximum number appears at a position k spaces away from the edge, where k is the number at </a:t>
-            </a:r>
-            <a:r>
-              <a:rPr lang="en-US" smtClean="0"/>
-              <a:t>that edge.</a:t>
+              <a:t>cell, </a:t>
+            </a:r>
+            <a:r>
+              <a:rPr lang="en-US" dirty="0" smtClean="0"/>
+              <a:t>because </a:t>
+            </a:r>
+            <a:r>
+              <a:rPr lang="en-US" dirty="0" smtClean="0"/>
+              <a:t>that cell</a:t>
+            </a:r>
+            <a:r>
+              <a:rPr lang="en-US" dirty="0" smtClean="0"/>
+              <a:t> </a:t>
+            </a:r>
+            <a:r>
+              <a:rPr lang="en-US" dirty="0" smtClean="0"/>
+              <a:t>is the last place </a:t>
+            </a:r>
+            <a:r>
+              <a:rPr lang="en-US" dirty="0" smtClean="0"/>
+              <a:t>that number </a:t>
+            </a:r>
+            <a:r>
+              <a:rPr lang="en-US" dirty="0" smtClean="0"/>
+              <a:t>can appear in that row/column.</a:t>
             </a:r>
             <a:endParaRPr lang="en-US" dirty="0"/>
           </a:p>
@@ -4177,7 +4689,7 @@
       </p:sp>
       <p:pic>
         <p:nvPicPr>
-          <p:cNvPr id="7170" name="Picture 2"/>
+          <p:cNvPr id="1026" name="Picture 2"/>
           <p:cNvPicPr>
             <a:picLocks noChangeAspect="1" noChangeArrowheads="1"/>
           </p:cNvPicPr>
@@ -4198,8 +4710,8 @@
         </p:blipFill>
         <p:spPr bwMode="auto">
           <a:xfrm>
-            <a:off x="5029200" y="3124200"/>
-            <a:ext cx="3390900" cy="3314700"/>
+            <a:off x="2646715" y="3124198"/>
+            <a:ext cx="3276600" cy="3195025"/>
           </a:xfrm>
           <a:prstGeom prst="rect">
             <a:avLst/>
@@ -4229,10 +4741,43 @@
           </a:extLst>
         </p:spPr>
       </p:pic>
+      <p:sp>
+        <p:nvSpPr>
+          <p:cNvPr id="4" name="TextBox 3"/>
+          <p:cNvSpPr txBox="1"/>
+          <p:nvPr/>
+        </p:nvSpPr>
+        <p:spPr>
+          <a:xfrm>
+            <a:off x="3688805" y="3301424"/>
+            <a:ext cx="389850" cy="584775"/>
+          </a:xfrm>
+          <a:prstGeom prst="rect">
+            <a:avLst/>
+          </a:prstGeom>
+          <a:noFill/>
+        </p:spPr>
+        <p:txBody>
+          <a:bodyPr wrap="none" rtlCol="0">
+            <a:spAutoFit/>
+          </a:bodyPr>
+          <a:lstStyle/>
+          <a:p>
+            <a:r>
+              <a:rPr lang="en-US" sz="3200" dirty="0">
+                <a:solidFill>
+                  <a:schemeClr val="bg1"/>
+                </a:solidFill>
+              </a:rPr>
+              <a:t>2</a:t>
+            </a:r>
+          </a:p>
+        </p:txBody>
+      </p:sp>
     </p:spTree>
     <p:extLst>
       <p:ext uri="{BB962C8B-B14F-4D97-AF65-F5344CB8AC3E}">
-        <p14:creationId xmlns:p14="http://schemas.microsoft.com/office/powerpoint/2010/main" val="52858313"/>
+        <p14:creationId xmlns:p14="http://schemas.microsoft.com/office/powerpoint/2010/main" val="1346241792"/>
       </p:ext>
     </p:extLst>
   </p:cSld>
@@ -4278,12 +4823,53 @@
         </p:nvSpPr>
         <p:spPr/>
         <p:txBody>
+          <a:bodyPr>
+            <a:normAutofit/>
+          </a:bodyPr>
+          <a:lstStyle/>
+          <a:p>
+            <a:r>
+              <a:rPr lang="en-US" dirty="0" smtClean="0"/>
+              <a:t>Basic Rule: Last </a:t>
+            </a:r>
+            <a:r>
+              <a:rPr lang="en-US" dirty="0" smtClean="0"/>
+              <a:t>Number</a:t>
+            </a:r>
+            <a:endParaRPr lang="en-US" dirty="0"/>
+          </a:p>
+        </p:txBody>
+      </p:sp>
+      <p:sp>
+        <p:nvSpPr>
+          <p:cNvPr id="3" name="Content Placeholder 2"/>
+          <p:cNvSpPr>
+            <a:spLocks noGrp="1"/>
+          </p:cNvSpPr>
+          <p:nvPr>
+            <p:ph idx="1"/>
+          </p:nvPr>
+        </p:nvSpPr>
+        <p:spPr/>
+        <p:txBody>
           <a:bodyPr/>
           <a:lstStyle/>
           <a:p>
             <a:r>
               <a:rPr lang="en-US" dirty="0" smtClean="0"/>
-              <a:t>A quick example solve!</a:t>
+              <a:t>A certain </a:t>
+            </a:r>
+            <a:r>
+              <a:rPr lang="en-US" dirty="0" smtClean="0"/>
+              <a:t>cell must contain a certain number since that number is </a:t>
+            </a:r>
+            <a:r>
+              <a:rPr lang="en-US" dirty="0" smtClean="0"/>
+              <a:t>the only one that can possibly appear in that </a:t>
+            </a:r>
+            <a:r>
+              <a:rPr lang="en-US" dirty="0" smtClean="0"/>
+              <a:t>cell.</a:t>
             </a:r>
             <a:endParaRPr lang="en-US" dirty="0"/>
           </a:p>
@@ -4291,7 +4877,7 @@
       </p:sp>
       <p:pic>
         <p:nvPicPr>
-          <p:cNvPr id="11266" name="Picture 2"/>
+          <p:cNvPr id="2050" name="Picture 2"/>
           <p:cNvPicPr>
             <a:picLocks noChangeAspect="1" noChangeArrowheads="1"/>
           </p:cNvPicPr>
@@ -4312,8 +4898,8 @@
         </p:blipFill>
         <p:spPr bwMode="auto">
           <a:xfrm>
-            <a:off x="362594" y="1313328"/>
-            <a:ext cx="2524383" cy="2430887"/>
+            <a:off x="2469776" y="2971800"/>
+            <a:ext cx="3657600" cy="3565003"/>
           </a:xfrm>
           <a:prstGeom prst="rect">
             <a:avLst/>
@@ -4343,280 +4929,43 @@
           </a:extLst>
         </p:spPr>
       </p:pic>
-      <p:pic>
-        <p:nvPicPr>
-          <p:cNvPr id="11267" name="Picture 3"/>
-          <p:cNvPicPr>
-            <a:picLocks noChangeAspect="1" noChangeArrowheads="1"/>
-          </p:cNvPicPr>
+      <p:sp>
+        <p:nvSpPr>
+          <p:cNvPr id="5" name="TextBox 4"/>
+          <p:cNvSpPr txBox="1"/>
           <p:nvPr/>
-        </p:nvPicPr>
-        <p:blipFill>
-          <a:blip r:embed="rId3">
-            <a:extLst>
-              <a:ext uri="{28A0092B-C50C-407E-A947-70E740481C1C}">
-                <a14:useLocalDpi xmlns:a14="http://schemas.microsoft.com/office/drawing/2010/main" val="0"/>
-              </a:ext>
-            </a:extLst>
-          </a:blip>
-          <a:srcRect/>
-          <a:stretch>
-            <a:fillRect/>
-          </a:stretch>
-        </p:blipFill>
-        <p:spPr bwMode="auto">
-          <a:xfrm>
-            <a:off x="3437490" y="1313329"/>
-            <a:ext cx="2517446" cy="2430886"/>
+        </p:nvSpPr>
+        <p:spPr>
+          <a:xfrm>
+            <a:off x="3688805" y="3124200"/>
+            <a:ext cx="389850" cy="584775"/>
           </a:xfrm>
           <a:prstGeom prst="rect">
             <a:avLst/>
           </a:prstGeom>
           <a:noFill/>
-          <a:ln>
-            <a:noFill/>
-          </a:ln>
-          <a:extLst>
-            <a:ext uri="{909E8E84-426E-40DD-AFC4-6F175D3DCCD1}">
-              <a14:hiddenFill xmlns:a14="http://schemas.microsoft.com/office/drawing/2010/main">
-                <a:solidFill>
-                  <a:schemeClr val="accent1"/>
-                </a:solidFill>
-              </a14:hiddenFill>
-            </a:ext>
-            <a:ext uri="{91240B29-F687-4F45-9708-019B960494DF}">
-              <a14:hiddenLine xmlns:a14="http://schemas.microsoft.com/office/drawing/2010/main" w="9525">
-                <a:solidFill>
-                  <a:schemeClr val="tx1"/>
-                </a:solidFill>
-                <a:miter lim="800000"/>
-                <a:headEnd/>
-                <a:tailEnd/>
-              </a14:hiddenLine>
-            </a:ext>
-          </a:extLst>
-        </p:spPr>
-      </p:pic>
-      <p:pic>
-        <p:nvPicPr>
-          <p:cNvPr id="11268" name="Picture 4"/>
-          <p:cNvPicPr>
-            <a:picLocks noChangeAspect="1" noChangeArrowheads="1"/>
-          </p:cNvPicPr>
-          <p:nvPr/>
-        </p:nvPicPr>
-        <p:blipFill>
-          <a:blip r:embed="rId4">
-            <a:extLst>
-              <a:ext uri="{28A0092B-C50C-407E-A947-70E740481C1C}">
-                <a14:useLocalDpi xmlns:a14="http://schemas.microsoft.com/office/drawing/2010/main" val="0"/>
-              </a:ext>
-            </a:extLst>
-          </a:blip>
-          <a:srcRect/>
-          <a:stretch>
-            <a:fillRect/>
-          </a:stretch>
-        </p:blipFill>
-        <p:spPr bwMode="auto">
-          <a:xfrm>
-            <a:off x="6400800" y="1313329"/>
-            <a:ext cx="2496194" cy="2430886"/>
-          </a:xfrm>
-          <a:prstGeom prst="rect">
-            <a:avLst/>
-          </a:prstGeom>
-          <a:noFill/>
-          <a:ln>
-            <a:noFill/>
-          </a:ln>
-          <a:extLst>
-            <a:ext uri="{909E8E84-426E-40DD-AFC4-6F175D3DCCD1}">
-              <a14:hiddenFill xmlns:a14="http://schemas.microsoft.com/office/drawing/2010/main">
-                <a:solidFill>
-                  <a:schemeClr val="accent1"/>
-                </a:solidFill>
-              </a14:hiddenFill>
-            </a:ext>
-            <a:ext uri="{91240B29-F687-4F45-9708-019B960494DF}">
-              <a14:hiddenLine xmlns:a14="http://schemas.microsoft.com/office/drawing/2010/main" w="9525">
-                <a:solidFill>
-                  <a:schemeClr val="tx1"/>
-                </a:solidFill>
-                <a:miter lim="800000"/>
-                <a:headEnd/>
-                <a:tailEnd/>
-              </a14:hiddenLine>
-            </a:ext>
-          </a:extLst>
-        </p:spPr>
-      </p:pic>
-      <p:pic>
-        <p:nvPicPr>
-          <p:cNvPr id="11269" name="Picture 5"/>
-          <p:cNvPicPr>
-            <a:picLocks noChangeAspect="1" noChangeArrowheads="1"/>
-          </p:cNvPicPr>
-          <p:nvPr/>
-        </p:nvPicPr>
-        <p:blipFill>
-          <a:blip r:embed="rId5">
-            <a:extLst>
-              <a:ext uri="{28A0092B-C50C-407E-A947-70E740481C1C}">
-                <a14:useLocalDpi xmlns:a14="http://schemas.microsoft.com/office/drawing/2010/main" val="0"/>
-              </a:ext>
-            </a:extLst>
-          </a:blip>
-          <a:srcRect/>
-          <a:stretch>
-            <a:fillRect/>
-          </a:stretch>
-        </p:blipFill>
-        <p:spPr bwMode="auto">
-          <a:xfrm>
-            <a:off x="362593" y="4191000"/>
-            <a:ext cx="2524383" cy="2502174"/>
-          </a:xfrm>
-          <a:prstGeom prst="rect">
-            <a:avLst/>
-          </a:prstGeom>
-          <a:noFill/>
-          <a:ln>
-            <a:noFill/>
-          </a:ln>
-          <a:extLst>
-            <a:ext uri="{909E8E84-426E-40DD-AFC4-6F175D3DCCD1}">
-              <a14:hiddenFill xmlns:a14="http://schemas.microsoft.com/office/drawing/2010/main">
-                <a:solidFill>
-                  <a:schemeClr val="accent1"/>
-                </a:solidFill>
-              </a14:hiddenFill>
-            </a:ext>
-            <a:ext uri="{91240B29-F687-4F45-9708-019B960494DF}">
-              <a14:hiddenLine xmlns:a14="http://schemas.microsoft.com/office/drawing/2010/main" w="9525">
-                <a:solidFill>
-                  <a:schemeClr val="tx1"/>
-                </a:solidFill>
-                <a:miter lim="800000"/>
-                <a:headEnd/>
-                <a:tailEnd/>
-              </a14:hiddenLine>
-            </a:ext>
-          </a:extLst>
-        </p:spPr>
-      </p:pic>
-      <p:pic>
-        <p:nvPicPr>
-          <p:cNvPr id="11270" name="Picture 6"/>
-          <p:cNvPicPr>
-            <a:picLocks noChangeAspect="1" noChangeArrowheads="1"/>
-          </p:cNvPicPr>
-          <p:nvPr/>
-        </p:nvPicPr>
-        <p:blipFill>
-          <a:blip r:embed="rId6">
-            <a:extLst>
-              <a:ext uri="{28A0092B-C50C-407E-A947-70E740481C1C}">
-                <a14:useLocalDpi xmlns:a14="http://schemas.microsoft.com/office/drawing/2010/main" val="0"/>
-              </a:ext>
-            </a:extLst>
-          </a:blip>
-          <a:srcRect/>
-          <a:stretch>
-            <a:fillRect/>
-          </a:stretch>
-        </p:blipFill>
-        <p:spPr bwMode="auto">
-          <a:xfrm>
-            <a:off x="3437491" y="4215824"/>
-            <a:ext cx="2517445" cy="2452525"/>
-          </a:xfrm>
-          <a:prstGeom prst="rect">
-            <a:avLst/>
-          </a:prstGeom>
-          <a:noFill/>
-          <a:ln>
-            <a:noFill/>
-          </a:ln>
-          <a:extLst>
-            <a:ext uri="{909E8E84-426E-40DD-AFC4-6F175D3DCCD1}">
-              <a14:hiddenFill xmlns:a14="http://schemas.microsoft.com/office/drawing/2010/main">
-                <a:solidFill>
-                  <a:schemeClr val="accent1"/>
-                </a:solidFill>
-              </a14:hiddenFill>
-            </a:ext>
-            <a:ext uri="{91240B29-F687-4F45-9708-019B960494DF}">
-              <a14:hiddenLine xmlns:a14="http://schemas.microsoft.com/office/drawing/2010/main" w="9525">
-                <a:solidFill>
-                  <a:schemeClr val="tx1"/>
-                </a:solidFill>
-                <a:miter lim="800000"/>
-                <a:headEnd/>
-                <a:tailEnd/>
-              </a14:hiddenLine>
-            </a:ext>
-          </a:extLst>
-        </p:spPr>
-      </p:pic>
-      <p:pic>
-        <p:nvPicPr>
-          <p:cNvPr id="11271" name="Picture 7"/>
-          <p:cNvPicPr>
-            <a:picLocks noChangeAspect="1" noChangeArrowheads="1"/>
-          </p:cNvPicPr>
-          <p:nvPr/>
-        </p:nvPicPr>
-        <p:blipFill>
-          <a:blip r:embed="rId7">
-            <a:extLst>
-              <a:ext uri="{28A0092B-C50C-407E-A947-70E740481C1C}">
-                <a14:useLocalDpi xmlns:a14="http://schemas.microsoft.com/office/drawing/2010/main" val="0"/>
-              </a:ext>
-            </a:extLst>
-          </a:blip>
-          <a:srcRect/>
-          <a:stretch>
-            <a:fillRect/>
-          </a:stretch>
-        </p:blipFill>
-        <p:spPr bwMode="auto">
-          <a:xfrm>
-            <a:off x="6400800" y="4215823"/>
-            <a:ext cx="2496194" cy="2466913"/>
-          </a:xfrm>
-          <a:prstGeom prst="rect">
-            <a:avLst/>
-          </a:prstGeom>
-          <a:noFill/>
-          <a:ln>
-            <a:noFill/>
-          </a:ln>
-          <a:extLst>
-            <a:ext uri="{909E8E84-426E-40DD-AFC4-6F175D3DCCD1}">
-              <a14:hiddenFill xmlns:a14="http://schemas.microsoft.com/office/drawing/2010/main">
-                <a:solidFill>
-                  <a:schemeClr val="accent1"/>
-                </a:solidFill>
-              </a14:hiddenFill>
-            </a:ext>
-            <a:ext uri="{91240B29-F687-4F45-9708-019B960494DF}">
-              <a14:hiddenLine xmlns:a14="http://schemas.microsoft.com/office/drawing/2010/main" w="9525">
-                <a:solidFill>
-                  <a:schemeClr val="tx1"/>
-                </a:solidFill>
-                <a:miter lim="800000"/>
-                <a:headEnd/>
-                <a:tailEnd/>
-              </a14:hiddenLine>
-            </a:ext>
-          </a:extLst>
-        </p:spPr>
-      </p:pic>
+        </p:spPr>
+        <p:txBody>
+          <a:bodyPr wrap="none" rtlCol="0">
+            <a:spAutoFit/>
+          </a:bodyPr>
+          <a:lstStyle/>
+          <a:p>
+            <a:r>
+              <a:rPr lang="en-US" sz="3200" dirty="0">
+                <a:solidFill>
+                  <a:srgbClr val="FF0000"/>
+                </a:solidFill>
+              </a:rPr>
+              <a:t>2</a:t>
+            </a:r>
+          </a:p>
+        </p:txBody>
+      </p:sp>
     </p:spTree>
     <p:extLst>
       <p:ext uri="{BB962C8B-B14F-4D97-AF65-F5344CB8AC3E}">
-        <p14:creationId xmlns:p14="http://schemas.microsoft.com/office/powerpoint/2010/main" val="2414323581"/>
+        <p14:creationId xmlns:p14="http://schemas.microsoft.com/office/powerpoint/2010/main" val="2606694398"/>
       </p:ext>
     </p:extLst>
   </p:cSld>
@@ -4667,7 +5016,30 @@
           <a:p>
             <a:r>
               <a:rPr lang="en-US" dirty="0" smtClean="0"/>
-              <a:t>Solve, cont.</a:t>
+              <a:t>Basic Rule: 1-Edge</a:t>
+            </a:r>
+            <a:endParaRPr lang="en-US" dirty="0"/>
+          </a:p>
+        </p:txBody>
+      </p:sp>
+      <p:sp>
+        <p:nvSpPr>
+          <p:cNvPr id="3" name="Content Placeholder 2"/>
+          <p:cNvSpPr>
+            <a:spLocks noGrp="1"/>
+          </p:cNvSpPr>
+          <p:nvPr>
+            <p:ph idx="1"/>
+          </p:nvPr>
+        </p:nvSpPr>
+        <p:spPr/>
+        <p:txBody>
+          <a:bodyPr/>
+          <a:lstStyle/>
+          <a:p>
+            <a:r>
+              <a:rPr lang="en-US" dirty="0" smtClean="0"/>
+              <a:t>If you have a 1 on an edge, put n in the adjacent square.</a:t>
             </a:r>
             <a:endParaRPr lang="en-US" dirty="0"/>
           </a:p>
@@ -4675,7 +5047,7 @@
       </p:sp>
       <p:pic>
         <p:nvPicPr>
-          <p:cNvPr id="4" name="Picture 7"/>
+          <p:cNvPr id="6146" name="Picture 2"/>
           <p:cNvPicPr>
             <a:picLocks noChangeAspect="1" noChangeArrowheads="1"/>
           </p:cNvPicPr>
@@ -4696,8 +5068,8 @@
         </p:blipFill>
         <p:spPr bwMode="auto">
           <a:xfrm>
-            <a:off x="457200" y="1219200"/>
-            <a:ext cx="2496194" cy="2466913"/>
+            <a:off x="3962400" y="2209800"/>
+            <a:ext cx="4823482" cy="4495800"/>
           </a:xfrm>
           <a:prstGeom prst="rect">
             <a:avLst/>
@@ -4727,172 +5099,10 @@
           </a:extLst>
         </p:spPr>
       </p:pic>
-      <p:pic>
-        <p:nvPicPr>
-          <p:cNvPr id="12290" name="Picture 2"/>
-          <p:cNvPicPr>
-            <a:picLocks noChangeAspect="1" noChangeArrowheads="1"/>
-          </p:cNvPicPr>
-          <p:nvPr/>
-        </p:nvPicPr>
-        <p:blipFill>
-          <a:blip r:embed="rId3">
-            <a:extLst>
-              <a:ext uri="{28A0092B-C50C-407E-A947-70E740481C1C}">
-                <a14:useLocalDpi xmlns:a14="http://schemas.microsoft.com/office/drawing/2010/main" val="0"/>
-              </a:ext>
-            </a:extLst>
-          </a:blip>
-          <a:srcRect/>
-          <a:stretch>
-            <a:fillRect/>
-          </a:stretch>
-        </p:blipFill>
-        <p:spPr bwMode="auto">
-          <a:xfrm>
-            <a:off x="3299012" y="1219200"/>
-            <a:ext cx="2532991" cy="2466913"/>
-          </a:xfrm>
-          <a:prstGeom prst="rect">
-            <a:avLst/>
-          </a:prstGeom>
-          <a:noFill/>
-          <a:ln>
-            <a:noFill/>
-          </a:ln>
-          <a:extLst>
-            <a:ext uri="{909E8E84-426E-40DD-AFC4-6F175D3DCCD1}">
-              <a14:hiddenFill xmlns:a14="http://schemas.microsoft.com/office/drawing/2010/main">
-                <a:solidFill>
-                  <a:schemeClr val="accent1"/>
-                </a:solidFill>
-              </a14:hiddenFill>
-            </a:ext>
-            <a:ext uri="{91240B29-F687-4F45-9708-019B960494DF}">
-              <a14:hiddenLine xmlns:a14="http://schemas.microsoft.com/office/drawing/2010/main" w="9525">
-                <a:solidFill>
-                  <a:schemeClr val="tx1"/>
-                </a:solidFill>
-                <a:miter lim="800000"/>
-                <a:headEnd/>
-                <a:tailEnd/>
-              </a14:hiddenLine>
-            </a:ext>
-          </a:extLst>
-        </p:spPr>
-      </p:pic>
-      <p:pic>
-        <p:nvPicPr>
-          <p:cNvPr id="12291" name="Picture 3"/>
-          <p:cNvPicPr>
-            <a:picLocks noChangeAspect="1" noChangeArrowheads="1"/>
-          </p:cNvPicPr>
-          <p:nvPr/>
-        </p:nvPicPr>
-        <p:blipFill>
-          <a:blip r:embed="rId4">
-            <a:extLst>
-              <a:ext uri="{28A0092B-C50C-407E-A947-70E740481C1C}">
-                <a14:useLocalDpi xmlns:a14="http://schemas.microsoft.com/office/drawing/2010/main" val="0"/>
-              </a:ext>
-            </a:extLst>
-          </a:blip>
-          <a:srcRect/>
-          <a:stretch>
-            <a:fillRect/>
-          </a:stretch>
-        </p:blipFill>
-        <p:spPr bwMode="auto">
-          <a:xfrm>
-            <a:off x="6172200" y="1219199"/>
-            <a:ext cx="2514600" cy="2484929"/>
-          </a:xfrm>
-          <a:prstGeom prst="rect">
-            <a:avLst/>
-          </a:prstGeom>
-          <a:noFill/>
-          <a:ln>
-            <a:noFill/>
-          </a:ln>
-          <a:extLst>
-            <a:ext uri="{909E8E84-426E-40DD-AFC4-6F175D3DCCD1}">
-              <a14:hiddenFill xmlns:a14="http://schemas.microsoft.com/office/drawing/2010/main">
-                <a:solidFill>
-                  <a:schemeClr val="accent1"/>
-                </a:solidFill>
-              </a14:hiddenFill>
-            </a:ext>
-            <a:ext uri="{91240B29-F687-4F45-9708-019B960494DF}">
-              <a14:hiddenLine xmlns:a14="http://schemas.microsoft.com/office/drawing/2010/main" w="9525">
-                <a:solidFill>
-                  <a:schemeClr val="tx1"/>
-                </a:solidFill>
-                <a:miter lim="800000"/>
-                <a:headEnd/>
-                <a:tailEnd/>
-              </a14:hiddenLine>
-            </a:ext>
-          </a:extLst>
-        </p:spPr>
-      </p:pic>
-      <p:pic>
-        <p:nvPicPr>
-          <p:cNvPr id="12292" name="Picture 4"/>
-          <p:cNvPicPr>
-            <a:picLocks noChangeAspect="1" noChangeArrowheads="1"/>
-          </p:cNvPicPr>
-          <p:nvPr/>
-        </p:nvPicPr>
-        <p:blipFill>
-          <a:blip r:embed="rId5">
-            <a:extLst>
-              <a:ext uri="{28A0092B-C50C-407E-A947-70E740481C1C}">
-                <a14:useLocalDpi xmlns:a14="http://schemas.microsoft.com/office/drawing/2010/main" val="0"/>
-              </a:ext>
-            </a:extLst>
-          </a:blip>
-          <a:srcRect/>
-          <a:stretch>
-            <a:fillRect/>
-          </a:stretch>
-        </p:blipFill>
-        <p:spPr bwMode="auto">
-          <a:xfrm>
-            <a:off x="3200680" y="3931024"/>
-            <a:ext cx="2613394" cy="2590800"/>
-          </a:xfrm>
-          <a:prstGeom prst="rect">
-            <a:avLst/>
-          </a:prstGeom>
-          <a:noFill/>
-          <a:ln>
-            <a:noFill/>
-          </a:ln>
-          <a:extLst>
-            <a:ext uri="{909E8E84-426E-40DD-AFC4-6F175D3DCCD1}">
-              <a14:hiddenFill xmlns:a14="http://schemas.microsoft.com/office/drawing/2010/main">
-                <a:solidFill>
-                  <a:schemeClr val="accent1"/>
-                </a:solidFill>
-              </a14:hiddenFill>
-            </a:ext>
-            <a:ext uri="{91240B29-F687-4F45-9708-019B960494DF}">
-              <a14:hiddenLine xmlns:a14="http://schemas.microsoft.com/office/drawing/2010/main" w="9525">
-                <a:solidFill>
-                  <a:schemeClr val="tx1"/>
-                </a:solidFill>
-                <a:miter lim="800000"/>
-                <a:headEnd/>
-                <a:tailEnd/>
-              </a14:hiddenLine>
-            </a:ext>
-          </a:extLst>
-        </p:spPr>
-      </p:pic>
     </p:spTree>
     <p:extLst>
       <p:ext uri="{BB962C8B-B14F-4D97-AF65-F5344CB8AC3E}">
-        <p14:creationId xmlns:p14="http://schemas.microsoft.com/office/powerpoint/2010/main" val="2465085225"/>
+        <p14:creationId xmlns:p14="http://schemas.microsoft.com/office/powerpoint/2010/main" val="3971862446"/>
       </p:ext>
     </p:extLst>
   </p:cSld>
@@ -4943,7 +5153,7 @@
           <a:p>
             <a:r>
               <a:rPr lang="en-US" dirty="0" smtClean="0"/>
-              <a:t>Basic Rules</a:t>
+              <a:t>Rules of the Game</a:t>
             </a:r>
             <a:endParaRPr lang="en-US" dirty="0"/>
           </a:p>
@@ -5016,6 +5226,1575 @@
 </file>
 
 <file path=ppt/slides/slide20.xml><?xml version="1.0" encoding="utf-8"?>
+<p:sld xmlns:a="http://schemas.openxmlformats.org/drawingml/2006/main" xmlns:r="http://schemas.openxmlformats.org/officeDocument/2006/relationships" xmlns:p="http://schemas.openxmlformats.org/presentationml/2006/main">
+  <p:cSld>
+    <p:spTree>
+      <p:nvGrpSpPr>
+        <p:cNvPr id="1" name=""/>
+        <p:cNvGrpSpPr/>
+        <p:nvPr/>
+      </p:nvGrpSpPr>
+      <p:grpSpPr>
+        <a:xfrm>
+          <a:off x="0" y="0"/>
+          <a:ext cx="0" cy="0"/>
+          <a:chOff x="0" y="0"/>
+          <a:chExt cx="0" cy="0"/>
+        </a:xfrm>
+      </p:grpSpPr>
+      <p:sp>
+        <p:nvSpPr>
+          <p:cNvPr id="2" name="Title 1"/>
+          <p:cNvSpPr>
+            <a:spLocks noGrp="1"/>
+          </p:cNvSpPr>
+          <p:nvPr>
+            <p:ph type="title"/>
+          </p:nvPr>
+        </p:nvSpPr>
+        <p:spPr/>
+        <p:txBody>
+          <a:bodyPr/>
+          <a:lstStyle/>
+          <a:p>
+            <a:r>
+              <a:rPr lang="en-US" dirty="0" smtClean="0"/>
+              <a:t>Basic Rule: N-Edge</a:t>
+            </a:r>
+            <a:endParaRPr lang="en-US" dirty="0"/>
+          </a:p>
+        </p:txBody>
+      </p:sp>
+      <p:sp>
+        <p:nvSpPr>
+          <p:cNvPr id="3" name="Content Placeholder 2"/>
+          <p:cNvSpPr>
+            <a:spLocks noGrp="1"/>
+          </p:cNvSpPr>
+          <p:nvPr>
+            <p:ph idx="1"/>
+          </p:nvPr>
+        </p:nvSpPr>
+        <p:spPr/>
+        <p:txBody>
+          <a:bodyPr/>
+          <a:lstStyle/>
+          <a:p>
+            <a:r>
+              <a:rPr lang="en-US" dirty="0" smtClean="0"/>
+              <a:t>If the maximum number appears on an edge, the row or column’s numbers appear in ascending order, starting at that edge.</a:t>
+            </a:r>
+            <a:endParaRPr lang="en-US" dirty="0"/>
+          </a:p>
+        </p:txBody>
+      </p:sp>
+      <p:pic>
+        <p:nvPicPr>
+          <p:cNvPr id="10242" name="Picture 2"/>
+          <p:cNvPicPr>
+            <a:picLocks noChangeAspect="1" noChangeArrowheads="1"/>
+          </p:cNvPicPr>
+          <p:nvPr/>
+        </p:nvPicPr>
+        <p:blipFill>
+          <a:blip r:embed="rId2">
+            <a:extLst>
+              <a:ext uri="{28A0092B-C50C-407E-A947-70E740481C1C}">
+                <a14:useLocalDpi xmlns:a14="http://schemas.microsoft.com/office/drawing/2010/main" val="0"/>
+              </a:ext>
+            </a:extLst>
+          </a:blip>
+          <a:srcRect/>
+          <a:stretch>
+            <a:fillRect/>
+          </a:stretch>
+        </p:blipFill>
+        <p:spPr bwMode="auto">
+          <a:xfrm>
+            <a:off x="2286000" y="3047999"/>
+            <a:ext cx="3657600" cy="3573517"/>
+          </a:xfrm>
+          <a:prstGeom prst="rect">
+            <a:avLst/>
+          </a:prstGeom>
+          <a:noFill/>
+          <a:ln>
+            <a:noFill/>
+          </a:ln>
+          <a:extLst>
+            <a:ext uri="{909E8E84-426E-40DD-AFC4-6F175D3DCCD1}">
+              <a14:hiddenFill xmlns:a14="http://schemas.microsoft.com/office/drawing/2010/main">
+                <a:solidFill>
+                  <a:schemeClr val="accent1"/>
+                </a:solidFill>
+              </a14:hiddenFill>
+            </a:ext>
+            <a:ext uri="{91240B29-F687-4F45-9708-019B960494DF}">
+              <a14:hiddenLine xmlns:a14="http://schemas.microsoft.com/office/drawing/2010/main" w="9525">
+                <a:solidFill>
+                  <a:schemeClr val="tx1"/>
+                </a:solidFill>
+                <a:miter lim="800000"/>
+                <a:headEnd/>
+                <a:tailEnd/>
+              </a14:hiddenLine>
+            </a:ext>
+          </a:extLst>
+        </p:spPr>
+      </p:pic>
+    </p:spTree>
+    <p:extLst>
+      <p:ext uri="{BB962C8B-B14F-4D97-AF65-F5344CB8AC3E}">
+        <p14:creationId xmlns:p14="http://schemas.microsoft.com/office/powerpoint/2010/main" val="2792006482"/>
+      </p:ext>
+    </p:extLst>
+  </p:cSld>
+  <p:clrMapOvr>
+    <a:masterClrMapping/>
+  </p:clrMapOvr>
+  <p:timing>
+    <p:tnLst>
+      <p:par>
+        <p:cTn id="1" dur="indefinite" restart="never" nodeType="tmRoot"/>
+      </p:par>
+    </p:tnLst>
+  </p:timing>
+</p:sld>
+</file>
+
+<file path=ppt/slides/slide21.xml><?xml version="1.0" encoding="utf-8"?>
+<p:sld xmlns:a="http://schemas.openxmlformats.org/drawingml/2006/main" xmlns:r="http://schemas.openxmlformats.org/officeDocument/2006/relationships" xmlns:p="http://schemas.openxmlformats.org/presentationml/2006/main">
+  <p:cSld>
+    <p:spTree>
+      <p:nvGrpSpPr>
+        <p:cNvPr id="1" name=""/>
+        <p:cNvGrpSpPr/>
+        <p:nvPr/>
+      </p:nvGrpSpPr>
+      <p:grpSpPr>
+        <a:xfrm>
+          <a:off x="0" y="0"/>
+          <a:ext cx="0" cy="0"/>
+          <a:chOff x="0" y="0"/>
+          <a:chExt cx="0" cy="0"/>
+        </a:xfrm>
+      </p:grpSpPr>
+      <p:sp>
+        <p:nvSpPr>
+          <p:cNvPr id="2" name="Title 1"/>
+          <p:cNvSpPr>
+            <a:spLocks noGrp="1"/>
+          </p:cNvSpPr>
+          <p:nvPr>
+            <p:ph type="title"/>
+          </p:nvPr>
+        </p:nvSpPr>
+        <p:spPr/>
+        <p:txBody>
+          <a:bodyPr/>
+          <a:lstStyle/>
+          <a:p>
+            <a:r>
+              <a:rPr lang="en-US" dirty="0" smtClean="0"/>
+              <a:t>Basic Rule: Fixed Max</a:t>
+            </a:r>
+            <a:endParaRPr lang="en-US" dirty="0"/>
+          </a:p>
+        </p:txBody>
+      </p:sp>
+      <p:sp>
+        <p:nvSpPr>
+          <p:cNvPr id="3" name="Content Placeholder 2"/>
+          <p:cNvSpPr>
+            <a:spLocks noGrp="1"/>
+          </p:cNvSpPr>
+          <p:nvPr>
+            <p:ph idx="1"/>
+          </p:nvPr>
+        </p:nvSpPr>
+        <p:spPr/>
+        <p:txBody>
+          <a:bodyPr/>
+          <a:lstStyle/>
+          <a:p>
+            <a:r>
+              <a:rPr lang="en-US" dirty="0" smtClean="0"/>
+              <a:t>If the sum of two opposing edges is n+1, the maximum number appears at a position k spaces away from the edge, where k is the number at </a:t>
+            </a:r>
+            <a:r>
+              <a:rPr lang="en-US" smtClean="0"/>
+              <a:t>that edge.</a:t>
+            </a:r>
+            <a:endParaRPr lang="en-US" dirty="0"/>
+          </a:p>
+        </p:txBody>
+      </p:sp>
+      <p:pic>
+        <p:nvPicPr>
+          <p:cNvPr id="7170" name="Picture 2"/>
+          <p:cNvPicPr>
+            <a:picLocks noChangeAspect="1" noChangeArrowheads="1"/>
+          </p:cNvPicPr>
+          <p:nvPr/>
+        </p:nvPicPr>
+        <p:blipFill>
+          <a:blip r:embed="rId2">
+            <a:extLst>
+              <a:ext uri="{28A0092B-C50C-407E-A947-70E740481C1C}">
+                <a14:useLocalDpi xmlns:a14="http://schemas.microsoft.com/office/drawing/2010/main" val="0"/>
+              </a:ext>
+            </a:extLst>
+          </a:blip>
+          <a:srcRect/>
+          <a:stretch>
+            <a:fillRect/>
+          </a:stretch>
+        </p:blipFill>
+        <p:spPr bwMode="auto">
+          <a:xfrm>
+            <a:off x="5029200" y="3124200"/>
+            <a:ext cx="3390900" cy="3314700"/>
+          </a:xfrm>
+          <a:prstGeom prst="rect">
+            <a:avLst/>
+          </a:prstGeom>
+          <a:noFill/>
+          <a:ln>
+            <a:noFill/>
+          </a:ln>
+          <a:extLst>
+            <a:ext uri="{909E8E84-426E-40DD-AFC4-6F175D3DCCD1}">
+              <a14:hiddenFill xmlns:a14="http://schemas.microsoft.com/office/drawing/2010/main">
+                <a:solidFill>
+                  <a:schemeClr val="accent1"/>
+                </a:solidFill>
+              </a14:hiddenFill>
+            </a:ext>
+            <a:ext uri="{91240B29-F687-4F45-9708-019B960494DF}">
+              <a14:hiddenLine xmlns:a14="http://schemas.microsoft.com/office/drawing/2010/main" w="9525">
+                <a:solidFill>
+                  <a:schemeClr val="tx1"/>
+                </a:solidFill>
+                <a:miter lim="800000"/>
+                <a:headEnd/>
+                <a:tailEnd/>
+              </a14:hiddenLine>
+            </a:ext>
+          </a:extLst>
+        </p:spPr>
+      </p:pic>
+    </p:spTree>
+    <p:extLst>
+      <p:ext uri="{BB962C8B-B14F-4D97-AF65-F5344CB8AC3E}">
+        <p14:creationId xmlns:p14="http://schemas.microsoft.com/office/powerpoint/2010/main" val="52858313"/>
+      </p:ext>
+    </p:extLst>
+  </p:cSld>
+  <p:clrMapOvr>
+    <a:masterClrMapping/>
+  </p:clrMapOvr>
+  <p:timing>
+    <p:tnLst>
+      <p:par>
+        <p:cTn id="1" dur="indefinite" restart="never" nodeType="tmRoot"/>
+      </p:par>
+    </p:tnLst>
+  </p:timing>
+</p:sld>
+</file>
+
+<file path=ppt/slides/slide22.xml><?xml version="1.0" encoding="utf-8"?>
+<p:sld xmlns:a="http://schemas.openxmlformats.org/drawingml/2006/main" xmlns:r="http://schemas.openxmlformats.org/officeDocument/2006/relationships" xmlns:p="http://schemas.openxmlformats.org/presentationml/2006/main">
+  <p:cSld>
+    <p:spTree>
+      <p:nvGrpSpPr>
+        <p:cNvPr id="1" name=""/>
+        <p:cNvGrpSpPr/>
+        <p:nvPr/>
+      </p:nvGrpSpPr>
+      <p:grpSpPr>
+        <a:xfrm>
+          <a:off x="0" y="0"/>
+          <a:ext cx="0" cy="0"/>
+          <a:chOff x="0" y="0"/>
+          <a:chExt cx="0" cy="0"/>
+        </a:xfrm>
+      </p:grpSpPr>
+      <p:sp>
+        <p:nvSpPr>
+          <p:cNvPr id="2" name="Title 1"/>
+          <p:cNvSpPr>
+            <a:spLocks noGrp="1"/>
+          </p:cNvSpPr>
+          <p:nvPr>
+            <p:ph type="title"/>
+          </p:nvPr>
+        </p:nvSpPr>
+        <p:spPr/>
+        <p:txBody>
+          <a:bodyPr/>
+          <a:lstStyle/>
+          <a:p>
+            <a:r>
+              <a:rPr lang="en-US" dirty="0" smtClean="0"/>
+              <a:t>A quick example solve!</a:t>
+            </a:r>
+            <a:endParaRPr lang="en-US" dirty="0"/>
+          </a:p>
+        </p:txBody>
+      </p:sp>
+      <p:pic>
+        <p:nvPicPr>
+          <p:cNvPr id="11266" name="Picture 2"/>
+          <p:cNvPicPr>
+            <a:picLocks noChangeAspect="1" noChangeArrowheads="1"/>
+          </p:cNvPicPr>
+          <p:nvPr/>
+        </p:nvPicPr>
+        <p:blipFill>
+          <a:blip r:embed="rId2">
+            <a:extLst>
+              <a:ext uri="{28A0092B-C50C-407E-A947-70E740481C1C}">
+                <a14:useLocalDpi xmlns:a14="http://schemas.microsoft.com/office/drawing/2010/main" val="0"/>
+              </a:ext>
+            </a:extLst>
+          </a:blip>
+          <a:srcRect/>
+          <a:stretch>
+            <a:fillRect/>
+          </a:stretch>
+        </p:blipFill>
+        <p:spPr bwMode="auto">
+          <a:xfrm>
+            <a:off x="362594" y="1313328"/>
+            <a:ext cx="2524383" cy="2430887"/>
+          </a:xfrm>
+          <a:prstGeom prst="rect">
+            <a:avLst/>
+          </a:prstGeom>
+          <a:noFill/>
+          <a:ln>
+            <a:noFill/>
+          </a:ln>
+          <a:extLst>
+            <a:ext uri="{909E8E84-426E-40DD-AFC4-6F175D3DCCD1}">
+              <a14:hiddenFill xmlns:a14="http://schemas.microsoft.com/office/drawing/2010/main">
+                <a:solidFill>
+                  <a:schemeClr val="accent1"/>
+                </a:solidFill>
+              </a14:hiddenFill>
+            </a:ext>
+            <a:ext uri="{91240B29-F687-4F45-9708-019B960494DF}">
+              <a14:hiddenLine xmlns:a14="http://schemas.microsoft.com/office/drawing/2010/main" w="9525">
+                <a:solidFill>
+                  <a:schemeClr val="tx1"/>
+                </a:solidFill>
+                <a:miter lim="800000"/>
+                <a:headEnd/>
+                <a:tailEnd/>
+              </a14:hiddenLine>
+            </a:ext>
+          </a:extLst>
+        </p:spPr>
+      </p:pic>
+      <p:pic>
+        <p:nvPicPr>
+          <p:cNvPr id="11267" name="Picture 3"/>
+          <p:cNvPicPr>
+            <a:picLocks noChangeAspect="1" noChangeArrowheads="1"/>
+          </p:cNvPicPr>
+          <p:nvPr/>
+        </p:nvPicPr>
+        <p:blipFill>
+          <a:blip r:embed="rId3">
+            <a:extLst>
+              <a:ext uri="{28A0092B-C50C-407E-A947-70E740481C1C}">
+                <a14:useLocalDpi xmlns:a14="http://schemas.microsoft.com/office/drawing/2010/main" val="0"/>
+              </a:ext>
+            </a:extLst>
+          </a:blip>
+          <a:srcRect/>
+          <a:stretch>
+            <a:fillRect/>
+          </a:stretch>
+        </p:blipFill>
+        <p:spPr bwMode="auto">
+          <a:xfrm>
+            <a:off x="3437490" y="1313329"/>
+            <a:ext cx="2517446" cy="2430886"/>
+          </a:xfrm>
+          <a:prstGeom prst="rect">
+            <a:avLst/>
+          </a:prstGeom>
+          <a:noFill/>
+          <a:ln>
+            <a:noFill/>
+          </a:ln>
+          <a:extLst>
+            <a:ext uri="{909E8E84-426E-40DD-AFC4-6F175D3DCCD1}">
+              <a14:hiddenFill xmlns:a14="http://schemas.microsoft.com/office/drawing/2010/main">
+                <a:solidFill>
+                  <a:schemeClr val="accent1"/>
+                </a:solidFill>
+              </a14:hiddenFill>
+            </a:ext>
+            <a:ext uri="{91240B29-F687-4F45-9708-019B960494DF}">
+              <a14:hiddenLine xmlns:a14="http://schemas.microsoft.com/office/drawing/2010/main" w="9525">
+                <a:solidFill>
+                  <a:schemeClr val="tx1"/>
+                </a:solidFill>
+                <a:miter lim="800000"/>
+                <a:headEnd/>
+                <a:tailEnd/>
+              </a14:hiddenLine>
+            </a:ext>
+          </a:extLst>
+        </p:spPr>
+      </p:pic>
+      <p:pic>
+        <p:nvPicPr>
+          <p:cNvPr id="11268" name="Picture 4"/>
+          <p:cNvPicPr>
+            <a:picLocks noChangeAspect="1" noChangeArrowheads="1"/>
+          </p:cNvPicPr>
+          <p:nvPr/>
+        </p:nvPicPr>
+        <p:blipFill>
+          <a:blip r:embed="rId4">
+            <a:extLst>
+              <a:ext uri="{28A0092B-C50C-407E-A947-70E740481C1C}">
+                <a14:useLocalDpi xmlns:a14="http://schemas.microsoft.com/office/drawing/2010/main" val="0"/>
+              </a:ext>
+            </a:extLst>
+          </a:blip>
+          <a:srcRect/>
+          <a:stretch>
+            <a:fillRect/>
+          </a:stretch>
+        </p:blipFill>
+        <p:spPr bwMode="auto">
+          <a:xfrm>
+            <a:off x="6400800" y="1313329"/>
+            <a:ext cx="2496194" cy="2430886"/>
+          </a:xfrm>
+          <a:prstGeom prst="rect">
+            <a:avLst/>
+          </a:prstGeom>
+          <a:noFill/>
+          <a:ln>
+            <a:noFill/>
+          </a:ln>
+          <a:extLst>
+            <a:ext uri="{909E8E84-426E-40DD-AFC4-6F175D3DCCD1}">
+              <a14:hiddenFill xmlns:a14="http://schemas.microsoft.com/office/drawing/2010/main">
+                <a:solidFill>
+                  <a:schemeClr val="accent1"/>
+                </a:solidFill>
+              </a14:hiddenFill>
+            </a:ext>
+            <a:ext uri="{91240B29-F687-4F45-9708-019B960494DF}">
+              <a14:hiddenLine xmlns:a14="http://schemas.microsoft.com/office/drawing/2010/main" w="9525">
+                <a:solidFill>
+                  <a:schemeClr val="tx1"/>
+                </a:solidFill>
+                <a:miter lim="800000"/>
+                <a:headEnd/>
+                <a:tailEnd/>
+              </a14:hiddenLine>
+            </a:ext>
+          </a:extLst>
+        </p:spPr>
+      </p:pic>
+      <p:pic>
+        <p:nvPicPr>
+          <p:cNvPr id="11269" name="Picture 5"/>
+          <p:cNvPicPr>
+            <a:picLocks noChangeAspect="1" noChangeArrowheads="1"/>
+          </p:cNvPicPr>
+          <p:nvPr/>
+        </p:nvPicPr>
+        <p:blipFill>
+          <a:blip r:embed="rId5">
+            <a:extLst>
+              <a:ext uri="{28A0092B-C50C-407E-A947-70E740481C1C}">
+                <a14:useLocalDpi xmlns:a14="http://schemas.microsoft.com/office/drawing/2010/main" val="0"/>
+              </a:ext>
+            </a:extLst>
+          </a:blip>
+          <a:srcRect/>
+          <a:stretch>
+            <a:fillRect/>
+          </a:stretch>
+        </p:blipFill>
+        <p:spPr bwMode="auto">
+          <a:xfrm>
+            <a:off x="362593" y="4191000"/>
+            <a:ext cx="2524383" cy="2502174"/>
+          </a:xfrm>
+          <a:prstGeom prst="rect">
+            <a:avLst/>
+          </a:prstGeom>
+          <a:noFill/>
+          <a:ln>
+            <a:noFill/>
+          </a:ln>
+          <a:extLst>
+            <a:ext uri="{909E8E84-426E-40DD-AFC4-6F175D3DCCD1}">
+              <a14:hiddenFill xmlns:a14="http://schemas.microsoft.com/office/drawing/2010/main">
+                <a:solidFill>
+                  <a:schemeClr val="accent1"/>
+                </a:solidFill>
+              </a14:hiddenFill>
+            </a:ext>
+            <a:ext uri="{91240B29-F687-4F45-9708-019B960494DF}">
+              <a14:hiddenLine xmlns:a14="http://schemas.microsoft.com/office/drawing/2010/main" w="9525">
+                <a:solidFill>
+                  <a:schemeClr val="tx1"/>
+                </a:solidFill>
+                <a:miter lim="800000"/>
+                <a:headEnd/>
+                <a:tailEnd/>
+              </a14:hiddenLine>
+            </a:ext>
+          </a:extLst>
+        </p:spPr>
+      </p:pic>
+      <p:pic>
+        <p:nvPicPr>
+          <p:cNvPr id="11270" name="Picture 6"/>
+          <p:cNvPicPr>
+            <a:picLocks noChangeAspect="1" noChangeArrowheads="1"/>
+          </p:cNvPicPr>
+          <p:nvPr/>
+        </p:nvPicPr>
+        <p:blipFill>
+          <a:blip r:embed="rId6">
+            <a:extLst>
+              <a:ext uri="{28A0092B-C50C-407E-A947-70E740481C1C}">
+                <a14:useLocalDpi xmlns:a14="http://schemas.microsoft.com/office/drawing/2010/main" val="0"/>
+              </a:ext>
+            </a:extLst>
+          </a:blip>
+          <a:srcRect/>
+          <a:stretch>
+            <a:fillRect/>
+          </a:stretch>
+        </p:blipFill>
+        <p:spPr bwMode="auto">
+          <a:xfrm>
+            <a:off x="3437491" y="4215824"/>
+            <a:ext cx="2517445" cy="2452525"/>
+          </a:xfrm>
+          <a:prstGeom prst="rect">
+            <a:avLst/>
+          </a:prstGeom>
+          <a:noFill/>
+          <a:ln>
+            <a:noFill/>
+          </a:ln>
+          <a:extLst>
+            <a:ext uri="{909E8E84-426E-40DD-AFC4-6F175D3DCCD1}">
+              <a14:hiddenFill xmlns:a14="http://schemas.microsoft.com/office/drawing/2010/main">
+                <a:solidFill>
+                  <a:schemeClr val="accent1"/>
+                </a:solidFill>
+              </a14:hiddenFill>
+            </a:ext>
+            <a:ext uri="{91240B29-F687-4F45-9708-019B960494DF}">
+              <a14:hiddenLine xmlns:a14="http://schemas.microsoft.com/office/drawing/2010/main" w="9525">
+                <a:solidFill>
+                  <a:schemeClr val="tx1"/>
+                </a:solidFill>
+                <a:miter lim="800000"/>
+                <a:headEnd/>
+                <a:tailEnd/>
+              </a14:hiddenLine>
+            </a:ext>
+          </a:extLst>
+        </p:spPr>
+      </p:pic>
+      <p:pic>
+        <p:nvPicPr>
+          <p:cNvPr id="11271" name="Picture 7"/>
+          <p:cNvPicPr>
+            <a:picLocks noChangeAspect="1" noChangeArrowheads="1"/>
+          </p:cNvPicPr>
+          <p:nvPr/>
+        </p:nvPicPr>
+        <p:blipFill>
+          <a:blip r:embed="rId7">
+            <a:extLst>
+              <a:ext uri="{28A0092B-C50C-407E-A947-70E740481C1C}">
+                <a14:useLocalDpi xmlns:a14="http://schemas.microsoft.com/office/drawing/2010/main" val="0"/>
+              </a:ext>
+            </a:extLst>
+          </a:blip>
+          <a:srcRect/>
+          <a:stretch>
+            <a:fillRect/>
+          </a:stretch>
+        </p:blipFill>
+        <p:spPr bwMode="auto">
+          <a:xfrm>
+            <a:off x="6400800" y="4215823"/>
+            <a:ext cx="2496194" cy="2466913"/>
+          </a:xfrm>
+          <a:prstGeom prst="rect">
+            <a:avLst/>
+          </a:prstGeom>
+          <a:noFill/>
+          <a:ln>
+            <a:noFill/>
+          </a:ln>
+          <a:extLst>
+            <a:ext uri="{909E8E84-426E-40DD-AFC4-6F175D3DCCD1}">
+              <a14:hiddenFill xmlns:a14="http://schemas.microsoft.com/office/drawing/2010/main">
+                <a:solidFill>
+                  <a:schemeClr val="accent1"/>
+                </a:solidFill>
+              </a14:hiddenFill>
+            </a:ext>
+            <a:ext uri="{91240B29-F687-4F45-9708-019B960494DF}">
+              <a14:hiddenLine xmlns:a14="http://schemas.microsoft.com/office/drawing/2010/main" w="9525">
+                <a:solidFill>
+                  <a:schemeClr val="tx1"/>
+                </a:solidFill>
+                <a:miter lim="800000"/>
+                <a:headEnd/>
+                <a:tailEnd/>
+              </a14:hiddenLine>
+            </a:ext>
+          </a:extLst>
+        </p:spPr>
+      </p:pic>
+      <p:sp>
+        <p:nvSpPr>
+          <p:cNvPr id="3" name="TextBox 2"/>
+          <p:cNvSpPr txBox="1"/>
+          <p:nvPr/>
+        </p:nvSpPr>
+        <p:spPr>
+          <a:xfrm>
+            <a:off x="2906576" y="2286000"/>
+            <a:ext cx="530915" cy="369332"/>
+          </a:xfrm>
+          <a:prstGeom prst="rect">
+            <a:avLst/>
+          </a:prstGeom>
+          <a:noFill/>
+        </p:spPr>
+        <p:txBody>
+          <a:bodyPr wrap="none" rtlCol="0">
+            <a:spAutoFit/>
+          </a:bodyPr>
+          <a:lstStyle/>
+          <a:p>
+            <a:r>
+              <a:rPr lang="en-US" dirty="0" smtClean="0">
+                <a:solidFill>
+                  <a:schemeClr val="bg1"/>
+                </a:solidFill>
+              </a:rPr>
+              <a:t>FM</a:t>
+            </a:r>
+            <a:endParaRPr lang="en-US" dirty="0">
+              <a:solidFill>
+                <a:schemeClr val="bg1"/>
+              </a:solidFill>
+            </a:endParaRPr>
+          </a:p>
+        </p:txBody>
+      </p:sp>
+      <p:cxnSp>
+        <p:nvCxnSpPr>
+          <p:cNvPr id="5" name="Straight Arrow Connector 4"/>
+          <p:cNvCxnSpPr/>
+          <p:nvPr/>
+        </p:nvCxnSpPr>
+        <p:spPr>
+          <a:xfrm>
+            <a:off x="3048000" y="2743200"/>
+            <a:ext cx="304800" cy="0"/>
+          </a:xfrm>
+          <a:prstGeom prst="straightConnector1">
+            <a:avLst/>
+          </a:prstGeom>
+          <a:ln>
+            <a:tailEnd type="arrow"/>
+          </a:ln>
+        </p:spPr>
+        <p:style>
+          <a:lnRef idx="3">
+            <a:schemeClr val="dk1"/>
+          </a:lnRef>
+          <a:fillRef idx="0">
+            <a:schemeClr val="dk1"/>
+          </a:fillRef>
+          <a:effectRef idx="2">
+            <a:schemeClr val="dk1"/>
+          </a:effectRef>
+          <a:fontRef idx="minor">
+            <a:schemeClr val="tx1"/>
+          </a:fontRef>
+        </p:style>
+      </p:cxnSp>
+      <p:sp>
+        <p:nvSpPr>
+          <p:cNvPr id="12" name="TextBox 11"/>
+          <p:cNvSpPr txBox="1"/>
+          <p:nvPr/>
+        </p:nvSpPr>
+        <p:spPr>
+          <a:xfrm>
+            <a:off x="5877677" y="2286000"/>
+            <a:ext cx="441146" cy="369332"/>
+          </a:xfrm>
+          <a:prstGeom prst="rect">
+            <a:avLst/>
+          </a:prstGeom>
+          <a:noFill/>
+        </p:spPr>
+        <p:txBody>
+          <a:bodyPr wrap="none" rtlCol="0">
+            <a:spAutoFit/>
+          </a:bodyPr>
+          <a:lstStyle/>
+          <a:p>
+            <a:r>
+              <a:rPr lang="en-US" dirty="0" smtClean="0">
+                <a:solidFill>
+                  <a:schemeClr val="bg1"/>
+                </a:solidFill>
+              </a:rPr>
+              <a:t>1</a:t>
+            </a:r>
+            <a:r>
+              <a:rPr lang="en-US" dirty="0">
+                <a:solidFill>
+                  <a:schemeClr val="bg1"/>
+                </a:solidFill>
+              </a:rPr>
+              <a:t>E</a:t>
+            </a:r>
+          </a:p>
+        </p:txBody>
+      </p:sp>
+      <p:cxnSp>
+        <p:nvCxnSpPr>
+          <p:cNvPr id="13" name="Straight Arrow Connector 12"/>
+          <p:cNvCxnSpPr/>
+          <p:nvPr/>
+        </p:nvCxnSpPr>
+        <p:spPr>
+          <a:xfrm>
+            <a:off x="6019101" y="2743200"/>
+            <a:ext cx="304800" cy="0"/>
+          </a:xfrm>
+          <a:prstGeom prst="straightConnector1">
+            <a:avLst/>
+          </a:prstGeom>
+          <a:ln>
+            <a:tailEnd type="arrow"/>
+          </a:ln>
+        </p:spPr>
+        <p:style>
+          <a:lnRef idx="3">
+            <a:schemeClr val="dk1"/>
+          </a:lnRef>
+          <a:fillRef idx="0">
+            <a:schemeClr val="dk1"/>
+          </a:fillRef>
+          <a:effectRef idx="2">
+            <a:schemeClr val="dk1"/>
+          </a:effectRef>
+          <a:fontRef idx="minor">
+            <a:schemeClr val="tx1"/>
+          </a:fontRef>
+        </p:style>
+      </p:cxnSp>
+      <p:sp>
+        <p:nvSpPr>
+          <p:cNvPr id="14" name="TextBox 13"/>
+          <p:cNvSpPr txBox="1"/>
+          <p:nvPr/>
+        </p:nvSpPr>
+        <p:spPr>
+          <a:xfrm>
+            <a:off x="0" y="5257420"/>
+            <a:ext cx="441146" cy="369332"/>
+          </a:xfrm>
+          <a:prstGeom prst="rect">
+            <a:avLst/>
+          </a:prstGeom>
+          <a:noFill/>
+        </p:spPr>
+        <p:txBody>
+          <a:bodyPr wrap="none" rtlCol="0">
+            <a:spAutoFit/>
+          </a:bodyPr>
+          <a:lstStyle/>
+          <a:p>
+            <a:r>
+              <a:rPr lang="en-US" dirty="0" smtClean="0">
+                <a:solidFill>
+                  <a:schemeClr val="bg1"/>
+                </a:solidFill>
+              </a:rPr>
+              <a:t>1E</a:t>
+            </a:r>
+            <a:endParaRPr lang="en-US" dirty="0">
+              <a:solidFill>
+                <a:schemeClr val="bg1"/>
+              </a:solidFill>
+            </a:endParaRPr>
+          </a:p>
+        </p:txBody>
+      </p:sp>
+      <p:cxnSp>
+        <p:nvCxnSpPr>
+          <p:cNvPr id="15" name="Straight Arrow Connector 14"/>
+          <p:cNvCxnSpPr/>
+          <p:nvPr/>
+        </p:nvCxnSpPr>
+        <p:spPr>
+          <a:xfrm>
+            <a:off x="141424" y="5714620"/>
+            <a:ext cx="304800" cy="0"/>
+          </a:xfrm>
+          <a:prstGeom prst="straightConnector1">
+            <a:avLst/>
+          </a:prstGeom>
+          <a:ln>
+            <a:tailEnd type="arrow"/>
+          </a:ln>
+        </p:spPr>
+        <p:style>
+          <a:lnRef idx="3">
+            <a:schemeClr val="dk1"/>
+          </a:lnRef>
+          <a:fillRef idx="0">
+            <a:schemeClr val="dk1"/>
+          </a:fillRef>
+          <a:effectRef idx="2">
+            <a:schemeClr val="dk1"/>
+          </a:effectRef>
+          <a:fontRef idx="minor">
+            <a:schemeClr val="tx1"/>
+          </a:fontRef>
+        </p:style>
+      </p:cxnSp>
+      <p:sp>
+        <p:nvSpPr>
+          <p:cNvPr id="16" name="TextBox 15"/>
+          <p:cNvSpPr txBox="1"/>
+          <p:nvPr/>
+        </p:nvSpPr>
+        <p:spPr>
+          <a:xfrm>
+            <a:off x="2906576" y="5257420"/>
+            <a:ext cx="489236" cy="369332"/>
+          </a:xfrm>
+          <a:prstGeom prst="rect">
+            <a:avLst/>
+          </a:prstGeom>
+          <a:noFill/>
+        </p:spPr>
+        <p:txBody>
+          <a:bodyPr wrap="none" rtlCol="0">
+            <a:spAutoFit/>
+          </a:bodyPr>
+          <a:lstStyle/>
+          <a:p>
+            <a:r>
+              <a:rPr lang="en-US" dirty="0" smtClean="0">
+                <a:solidFill>
+                  <a:schemeClr val="bg1"/>
+                </a:solidFill>
+              </a:rPr>
+              <a:t>LC</a:t>
+            </a:r>
+            <a:endParaRPr lang="en-US" dirty="0">
+              <a:solidFill>
+                <a:schemeClr val="bg1"/>
+              </a:solidFill>
+            </a:endParaRPr>
+          </a:p>
+        </p:txBody>
+      </p:sp>
+      <p:cxnSp>
+        <p:nvCxnSpPr>
+          <p:cNvPr id="17" name="Straight Arrow Connector 16"/>
+          <p:cNvCxnSpPr/>
+          <p:nvPr/>
+        </p:nvCxnSpPr>
+        <p:spPr>
+          <a:xfrm>
+            <a:off x="3048000" y="5714620"/>
+            <a:ext cx="304800" cy="0"/>
+          </a:xfrm>
+          <a:prstGeom prst="straightConnector1">
+            <a:avLst/>
+          </a:prstGeom>
+          <a:ln>
+            <a:tailEnd type="arrow"/>
+          </a:ln>
+        </p:spPr>
+        <p:style>
+          <a:lnRef idx="3">
+            <a:schemeClr val="dk1"/>
+          </a:lnRef>
+          <a:fillRef idx="0">
+            <a:schemeClr val="dk1"/>
+          </a:fillRef>
+          <a:effectRef idx="2">
+            <a:schemeClr val="dk1"/>
+          </a:effectRef>
+          <a:fontRef idx="minor">
+            <a:schemeClr val="tx1"/>
+          </a:fontRef>
+        </p:style>
+      </p:cxnSp>
+      <p:sp>
+        <p:nvSpPr>
+          <p:cNvPr id="18" name="TextBox 17"/>
+          <p:cNvSpPr txBox="1"/>
+          <p:nvPr/>
+        </p:nvSpPr>
+        <p:spPr>
+          <a:xfrm>
+            <a:off x="5940653" y="4703422"/>
+            <a:ext cx="546945" cy="923330"/>
+          </a:xfrm>
+          <a:prstGeom prst="rect">
+            <a:avLst/>
+          </a:prstGeom>
+          <a:noFill/>
+        </p:spPr>
+        <p:txBody>
+          <a:bodyPr wrap="none" rtlCol="0">
+            <a:spAutoFit/>
+          </a:bodyPr>
+          <a:lstStyle/>
+          <a:p>
+            <a:r>
+              <a:rPr lang="en-US" dirty="0" smtClean="0">
+                <a:solidFill>
+                  <a:schemeClr val="bg1"/>
+                </a:solidFill>
+              </a:rPr>
+              <a:t>PP,</a:t>
+            </a:r>
+          </a:p>
+          <a:p>
+            <a:r>
+              <a:rPr lang="en-US" dirty="0" smtClean="0">
+                <a:solidFill>
+                  <a:schemeClr val="bg1"/>
+                </a:solidFill>
+              </a:rPr>
+              <a:t>LC,</a:t>
+            </a:r>
+          </a:p>
+          <a:p>
+            <a:r>
+              <a:rPr lang="en-US" dirty="0" smtClean="0">
+                <a:solidFill>
+                  <a:schemeClr val="bg1"/>
+                </a:solidFill>
+              </a:rPr>
+              <a:t>EV</a:t>
+            </a:r>
+            <a:endParaRPr lang="en-US" dirty="0">
+              <a:solidFill>
+                <a:schemeClr val="bg1"/>
+              </a:solidFill>
+            </a:endParaRPr>
+          </a:p>
+        </p:txBody>
+      </p:sp>
+      <p:cxnSp>
+        <p:nvCxnSpPr>
+          <p:cNvPr id="19" name="Straight Arrow Connector 18"/>
+          <p:cNvCxnSpPr/>
+          <p:nvPr/>
+        </p:nvCxnSpPr>
+        <p:spPr>
+          <a:xfrm>
+            <a:off x="6086242" y="5714620"/>
+            <a:ext cx="304800" cy="0"/>
+          </a:xfrm>
+          <a:prstGeom prst="straightConnector1">
+            <a:avLst/>
+          </a:prstGeom>
+          <a:ln>
+            <a:tailEnd type="arrow"/>
+          </a:ln>
+        </p:spPr>
+        <p:style>
+          <a:lnRef idx="3">
+            <a:schemeClr val="dk1"/>
+          </a:lnRef>
+          <a:fillRef idx="0">
+            <a:schemeClr val="dk1"/>
+          </a:fillRef>
+          <a:effectRef idx="2">
+            <a:schemeClr val="dk1"/>
+          </a:effectRef>
+          <a:fontRef idx="minor">
+            <a:schemeClr val="tx1"/>
+          </a:fontRef>
+        </p:style>
+      </p:cxnSp>
+    </p:spTree>
+    <p:extLst>
+      <p:ext uri="{BB962C8B-B14F-4D97-AF65-F5344CB8AC3E}">
+        <p14:creationId xmlns:p14="http://schemas.microsoft.com/office/powerpoint/2010/main" val="2414323581"/>
+      </p:ext>
+    </p:extLst>
+  </p:cSld>
+  <p:clrMapOvr>
+    <a:masterClrMapping/>
+  </p:clrMapOvr>
+  <p:timing>
+    <p:tnLst>
+      <p:par>
+        <p:cTn id="1" dur="indefinite" restart="never" nodeType="tmRoot"/>
+      </p:par>
+    </p:tnLst>
+  </p:timing>
+</p:sld>
+</file>
+
+<file path=ppt/slides/slide23.xml><?xml version="1.0" encoding="utf-8"?>
+<p:sld xmlns:a="http://schemas.openxmlformats.org/drawingml/2006/main" xmlns:r="http://schemas.openxmlformats.org/officeDocument/2006/relationships" xmlns:p="http://schemas.openxmlformats.org/presentationml/2006/main">
+  <p:cSld>
+    <p:spTree>
+      <p:nvGrpSpPr>
+        <p:cNvPr id="1" name=""/>
+        <p:cNvGrpSpPr/>
+        <p:nvPr/>
+      </p:nvGrpSpPr>
+      <p:grpSpPr>
+        <a:xfrm>
+          <a:off x="0" y="0"/>
+          <a:ext cx="0" cy="0"/>
+          <a:chOff x="0" y="0"/>
+          <a:chExt cx="0" cy="0"/>
+        </a:xfrm>
+      </p:grpSpPr>
+      <p:sp>
+        <p:nvSpPr>
+          <p:cNvPr id="2" name="Title 1"/>
+          <p:cNvSpPr>
+            <a:spLocks noGrp="1"/>
+          </p:cNvSpPr>
+          <p:nvPr>
+            <p:ph type="title"/>
+          </p:nvPr>
+        </p:nvSpPr>
+        <p:spPr/>
+        <p:txBody>
+          <a:bodyPr/>
+          <a:lstStyle/>
+          <a:p>
+            <a:r>
+              <a:rPr lang="en-US" dirty="0" smtClean="0"/>
+              <a:t>Solve, cont.</a:t>
+            </a:r>
+            <a:endParaRPr lang="en-US" dirty="0"/>
+          </a:p>
+        </p:txBody>
+      </p:sp>
+      <p:pic>
+        <p:nvPicPr>
+          <p:cNvPr id="4" name="Picture 7"/>
+          <p:cNvPicPr>
+            <a:picLocks noChangeAspect="1" noChangeArrowheads="1"/>
+          </p:cNvPicPr>
+          <p:nvPr/>
+        </p:nvPicPr>
+        <p:blipFill>
+          <a:blip r:embed="rId2">
+            <a:extLst>
+              <a:ext uri="{28A0092B-C50C-407E-A947-70E740481C1C}">
+                <a14:useLocalDpi xmlns:a14="http://schemas.microsoft.com/office/drawing/2010/main" val="0"/>
+              </a:ext>
+            </a:extLst>
+          </a:blip>
+          <a:srcRect/>
+          <a:stretch>
+            <a:fillRect/>
+          </a:stretch>
+        </p:blipFill>
+        <p:spPr bwMode="auto">
+          <a:xfrm>
+            <a:off x="457200" y="1219200"/>
+            <a:ext cx="2496194" cy="2466913"/>
+          </a:xfrm>
+          <a:prstGeom prst="rect">
+            <a:avLst/>
+          </a:prstGeom>
+          <a:noFill/>
+          <a:ln>
+            <a:noFill/>
+          </a:ln>
+          <a:extLst>
+            <a:ext uri="{909E8E84-426E-40DD-AFC4-6F175D3DCCD1}">
+              <a14:hiddenFill xmlns:a14="http://schemas.microsoft.com/office/drawing/2010/main">
+                <a:solidFill>
+                  <a:schemeClr val="accent1"/>
+                </a:solidFill>
+              </a14:hiddenFill>
+            </a:ext>
+            <a:ext uri="{91240B29-F687-4F45-9708-019B960494DF}">
+              <a14:hiddenLine xmlns:a14="http://schemas.microsoft.com/office/drawing/2010/main" w="9525">
+                <a:solidFill>
+                  <a:schemeClr val="tx1"/>
+                </a:solidFill>
+                <a:miter lim="800000"/>
+                <a:headEnd/>
+                <a:tailEnd/>
+              </a14:hiddenLine>
+            </a:ext>
+          </a:extLst>
+        </p:spPr>
+      </p:pic>
+      <p:pic>
+        <p:nvPicPr>
+          <p:cNvPr id="12290" name="Picture 2"/>
+          <p:cNvPicPr>
+            <a:picLocks noChangeAspect="1" noChangeArrowheads="1"/>
+          </p:cNvPicPr>
+          <p:nvPr/>
+        </p:nvPicPr>
+        <p:blipFill>
+          <a:blip r:embed="rId3">
+            <a:extLst>
+              <a:ext uri="{28A0092B-C50C-407E-A947-70E740481C1C}">
+                <a14:useLocalDpi xmlns:a14="http://schemas.microsoft.com/office/drawing/2010/main" val="0"/>
+              </a:ext>
+            </a:extLst>
+          </a:blip>
+          <a:srcRect/>
+          <a:stretch>
+            <a:fillRect/>
+          </a:stretch>
+        </p:blipFill>
+        <p:spPr bwMode="auto">
+          <a:xfrm>
+            <a:off x="3299012" y="1219200"/>
+            <a:ext cx="2532991" cy="2466913"/>
+          </a:xfrm>
+          <a:prstGeom prst="rect">
+            <a:avLst/>
+          </a:prstGeom>
+          <a:noFill/>
+          <a:ln>
+            <a:noFill/>
+          </a:ln>
+          <a:extLst>
+            <a:ext uri="{909E8E84-426E-40DD-AFC4-6F175D3DCCD1}">
+              <a14:hiddenFill xmlns:a14="http://schemas.microsoft.com/office/drawing/2010/main">
+                <a:solidFill>
+                  <a:schemeClr val="accent1"/>
+                </a:solidFill>
+              </a14:hiddenFill>
+            </a:ext>
+            <a:ext uri="{91240B29-F687-4F45-9708-019B960494DF}">
+              <a14:hiddenLine xmlns:a14="http://schemas.microsoft.com/office/drawing/2010/main" w="9525">
+                <a:solidFill>
+                  <a:schemeClr val="tx1"/>
+                </a:solidFill>
+                <a:miter lim="800000"/>
+                <a:headEnd/>
+                <a:tailEnd/>
+              </a14:hiddenLine>
+            </a:ext>
+          </a:extLst>
+        </p:spPr>
+      </p:pic>
+      <p:pic>
+        <p:nvPicPr>
+          <p:cNvPr id="12291" name="Picture 3"/>
+          <p:cNvPicPr>
+            <a:picLocks noChangeAspect="1" noChangeArrowheads="1"/>
+          </p:cNvPicPr>
+          <p:nvPr/>
+        </p:nvPicPr>
+        <p:blipFill>
+          <a:blip r:embed="rId4">
+            <a:extLst>
+              <a:ext uri="{28A0092B-C50C-407E-A947-70E740481C1C}">
+                <a14:useLocalDpi xmlns:a14="http://schemas.microsoft.com/office/drawing/2010/main" val="0"/>
+              </a:ext>
+            </a:extLst>
+          </a:blip>
+          <a:srcRect/>
+          <a:stretch>
+            <a:fillRect/>
+          </a:stretch>
+        </p:blipFill>
+        <p:spPr bwMode="auto">
+          <a:xfrm>
+            <a:off x="6172200" y="1219199"/>
+            <a:ext cx="2514600" cy="2484929"/>
+          </a:xfrm>
+          <a:prstGeom prst="rect">
+            <a:avLst/>
+          </a:prstGeom>
+          <a:noFill/>
+          <a:ln>
+            <a:noFill/>
+          </a:ln>
+          <a:extLst>
+            <a:ext uri="{909E8E84-426E-40DD-AFC4-6F175D3DCCD1}">
+              <a14:hiddenFill xmlns:a14="http://schemas.microsoft.com/office/drawing/2010/main">
+                <a:solidFill>
+                  <a:schemeClr val="accent1"/>
+                </a:solidFill>
+              </a14:hiddenFill>
+            </a:ext>
+            <a:ext uri="{91240B29-F687-4F45-9708-019B960494DF}">
+              <a14:hiddenLine xmlns:a14="http://schemas.microsoft.com/office/drawing/2010/main" w="9525">
+                <a:solidFill>
+                  <a:schemeClr val="tx1"/>
+                </a:solidFill>
+                <a:miter lim="800000"/>
+                <a:headEnd/>
+                <a:tailEnd/>
+              </a14:hiddenLine>
+            </a:ext>
+          </a:extLst>
+        </p:spPr>
+      </p:pic>
+      <p:pic>
+        <p:nvPicPr>
+          <p:cNvPr id="12292" name="Picture 4"/>
+          <p:cNvPicPr>
+            <a:picLocks noChangeAspect="1" noChangeArrowheads="1"/>
+          </p:cNvPicPr>
+          <p:nvPr/>
+        </p:nvPicPr>
+        <p:blipFill>
+          <a:blip r:embed="rId5">
+            <a:extLst>
+              <a:ext uri="{28A0092B-C50C-407E-A947-70E740481C1C}">
+                <a14:useLocalDpi xmlns:a14="http://schemas.microsoft.com/office/drawing/2010/main" val="0"/>
+              </a:ext>
+            </a:extLst>
+          </a:blip>
+          <a:srcRect/>
+          <a:stretch>
+            <a:fillRect/>
+          </a:stretch>
+        </p:blipFill>
+        <p:spPr bwMode="auto">
+          <a:xfrm>
+            <a:off x="3200680" y="3931024"/>
+            <a:ext cx="2613394" cy="2590800"/>
+          </a:xfrm>
+          <a:prstGeom prst="rect">
+            <a:avLst/>
+          </a:prstGeom>
+          <a:noFill/>
+          <a:ln>
+            <a:noFill/>
+          </a:ln>
+          <a:extLst>
+            <a:ext uri="{909E8E84-426E-40DD-AFC4-6F175D3DCCD1}">
+              <a14:hiddenFill xmlns:a14="http://schemas.microsoft.com/office/drawing/2010/main">
+                <a:solidFill>
+                  <a:schemeClr val="accent1"/>
+                </a:solidFill>
+              </a14:hiddenFill>
+            </a:ext>
+            <a:ext uri="{91240B29-F687-4F45-9708-019B960494DF}">
+              <a14:hiddenLine xmlns:a14="http://schemas.microsoft.com/office/drawing/2010/main" w="9525">
+                <a:solidFill>
+                  <a:schemeClr val="tx1"/>
+                </a:solidFill>
+                <a:miter lim="800000"/>
+                <a:headEnd/>
+                <a:tailEnd/>
+              </a14:hiddenLine>
+            </a:ext>
+          </a:extLst>
+        </p:spPr>
+      </p:pic>
+      <p:sp>
+        <p:nvSpPr>
+          <p:cNvPr id="7" name="TextBox 6"/>
+          <p:cNvSpPr txBox="1"/>
+          <p:nvPr/>
+        </p:nvSpPr>
+        <p:spPr>
+          <a:xfrm>
+            <a:off x="2867427" y="1752600"/>
+            <a:ext cx="546945" cy="923330"/>
+          </a:xfrm>
+          <a:prstGeom prst="rect">
+            <a:avLst/>
+          </a:prstGeom>
+          <a:noFill/>
+        </p:spPr>
+        <p:txBody>
+          <a:bodyPr wrap="none" rtlCol="0">
+            <a:spAutoFit/>
+          </a:bodyPr>
+          <a:lstStyle/>
+          <a:p>
+            <a:r>
+              <a:rPr lang="en-US" dirty="0" smtClean="0">
+                <a:solidFill>
+                  <a:schemeClr val="bg1"/>
+                </a:solidFill>
+              </a:rPr>
+              <a:t>PP,</a:t>
+            </a:r>
+          </a:p>
+          <a:p>
+            <a:r>
+              <a:rPr lang="en-US" dirty="0" smtClean="0">
+                <a:solidFill>
+                  <a:schemeClr val="bg1"/>
+                </a:solidFill>
+              </a:rPr>
+              <a:t>LC,</a:t>
+            </a:r>
+          </a:p>
+          <a:p>
+            <a:r>
+              <a:rPr lang="en-US" dirty="0" smtClean="0">
+                <a:solidFill>
+                  <a:schemeClr val="bg1"/>
+                </a:solidFill>
+              </a:rPr>
+              <a:t>EV</a:t>
+            </a:r>
+            <a:endParaRPr lang="en-US" dirty="0">
+              <a:solidFill>
+                <a:schemeClr val="bg1"/>
+              </a:solidFill>
+            </a:endParaRPr>
+          </a:p>
+        </p:txBody>
+      </p:sp>
+      <p:cxnSp>
+        <p:nvCxnSpPr>
+          <p:cNvPr id="8" name="Straight Arrow Connector 7"/>
+          <p:cNvCxnSpPr/>
+          <p:nvPr/>
+        </p:nvCxnSpPr>
+        <p:spPr>
+          <a:xfrm>
+            <a:off x="3048000" y="2743200"/>
+            <a:ext cx="304800" cy="0"/>
+          </a:xfrm>
+          <a:prstGeom prst="straightConnector1">
+            <a:avLst/>
+          </a:prstGeom>
+          <a:ln>
+            <a:tailEnd type="arrow"/>
+          </a:ln>
+        </p:spPr>
+        <p:style>
+          <a:lnRef idx="3">
+            <a:schemeClr val="dk1"/>
+          </a:lnRef>
+          <a:fillRef idx="0">
+            <a:schemeClr val="dk1"/>
+          </a:fillRef>
+          <a:effectRef idx="2">
+            <a:schemeClr val="dk1"/>
+          </a:effectRef>
+          <a:fontRef idx="minor">
+            <a:schemeClr val="tx1"/>
+          </a:fontRef>
+        </p:style>
+      </p:cxnSp>
+      <p:sp>
+        <p:nvSpPr>
+          <p:cNvPr id="9" name="TextBox 8"/>
+          <p:cNvSpPr txBox="1"/>
+          <p:nvPr/>
+        </p:nvSpPr>
+        <p:spPr>
+          <a:xfrm>
+            <a:off x="5725976" y="1905000"/>
+            <a:ext cx="489236" cy="369332"/>
+          </a:xfrm>
+          <a:prstGeom prst="rect">
+            <a:avLst/>
+          </a:prstGeom>
+          <a:noFill/>
+        </p:spPr>
+        <p:txBody>
+          <a:bodyPr wrap="none" rtlCol="0">
+            <a:spAutoFit/>
+          </a:bodyPr>
+          <a:lstStyle/>
+          <a:p>
+            <a:r>
+              <a:rPr lang="en-US" dirty="0" smtClean="0">
+                <a:solidFill>
+                  <a:schemeClr val="bg1"/>
+                </a:solidFill>
+              </a:rPr>
+              <a:t>LC</a:t>
+            </a:r>
+            <a:endParaRPr lang="en-US" dirty="0">
+              <a:solidFill>
+                <a:schemeClr val="bg1"/>
+              </a:solidFill>
+            </a:endParaRPr>
+          </a:p>
+        </p:txBody>
+      </p:sp>
+      <p:cxnSp>
+        <p:nvCxnSpPr>
+          <p:cNvPr id="10" name="Straight Arrow Connector 9"/>
+          <p:cNvCxnSpPr/>
+          <p:nvPr/>
+        </p:nvCxnSpPr>
+        <p:spPr>
+          <a:xfrm>
+            <a:off x="5867400" y="2362200"/>
+            <a:ext cx="304800" cy="0"/>
+          </a:xfrm>
+          <a:prstGeom prst="straightConnector1">
+            <a:avLst/>
+          </a:prstGeom>
+          <a:ln>
+            <a:tailEnd type="arrow"/>
+          </a:ln>
+        </p:spPr>
+        <p:style>
+          <a:lnRef idx="3">
+            <a:schemeClr val="dk1"/>
+          </a:lnRef>
+          <a:fillRef idx="0">
+            <a:schemeClr val="dk1"/>
+          </a:fillRef>
+          <a:effectRef idx="2">
+            <a:schemeClr val="dk1"/>
+          </a:effectRef>
+          <a:fontRef idx="minor">
+            <a:schemeClr val="tx1"/>
+          </a:fontRef>
+        </p:style>
+      </p:cxnSp>
+      <p:sp>
+        <p:nvSpPr>
+          <p:cNvPr id="11" name="TextBox 10"/>
+          <p:cNvSpPr txBox="1"/>
+          <p:nvPr/>
+        </p:nvSpPr>
+        <p:spPr>
+          <a:xfrm>
+            <a:off x="2590807" y="4244183"/>
+            <a:ext cx="546945" cy="923330"/>
+          </a:xfrm>
+          <a:prstGeom prst="rect">
+            <a:avLst/>
+          </a:prstGeom>
+          <a:noFill/>
+        </p:spPr>
+        <p:txBody>
+          <a:bodyPr wrap="none" rtlCol="0">
+            <a:spAutoFit/>
+          </a:bodyPr>
+          <a:lstStyle/>
+          <a:p>
+            <a:r>
+              <a:rPr lang="en-US" dirty="0" smtClean="0">
+                <a:solidFill>
+                  <a:schemeClr val="bg1"/>
+                </a:solidFill>
+              </a:rPr>
+              <a:t>PP,</a:t>
+            </a:r>
+          </a:p>
+          <a:p>
+            <a:r>
+              <a:rPr lang="en-US" dirty="0" smtClean="0">
+                <a:solidFill>
+                  <a:schemeClr val="bg1"/>
+                </a:solidFill>
+              </a:rPr>
+              <a:t>LC,</a:t>
+            </a:r>
+          </a:p>
+          <a:p>
+            <a:r>
+              <a:rPr lang="en-US" dirty="0" smtClean="0">
+                <a:solidFill>
+                  <a:schemeClr val="bg1"/>
+                </a:solidFill>
+              </a:rPr>
+              <a:t>EV</a:t>
+            </a:r>
+            <a:endParaRPr lang="en-US" dirty="0">
+              <a:solidFill>
+                <a:schemeClr val="bg1"/>
+              </a:solidFill>
+            </a:endParaRPr>
+          </a:p>
+        </p:txBody>
+      </p:sp>
+      <p:cxnSp>
+        <p:nvCxnSpPr>
+          <p:cNvPr id="12" name="Straight Arrow Connector 11"/>
+          <p:cNvCxnSpPr/>
+          <p:nvPr/>
+        </p:nvCxnSpPr>
+        <p:spPr>
+          <a:xfrm>
+            <a:off x="2699056" y="5314292"/>
+            <a:ext cx="304800" cy="0"/>
+          </a:xfrm>
+          <a:prstGeom prst="straightConnector1">
+            <a:avLst/>
+          </a:prstGeom>
+          <a:ln>
+            <a:tailEnd type="arrow"/>
+          </a:ln>
+        </p:spPr>
+        <p:style>
+          <a:lnRef idx="3">
+            <a:schemeClr val="dk1"/>
+          </a:lnRef>
+          <a:fillRef idx="0">
+            <a:schemeClr val="dk1"/>
+          </a:fillRef>
+          <a:effectRef idx="2">
+            <a:schemeClr val="dk1"/>
+          </a:effectRef>
+          <a:fontRef idx="minor">
+            <a:schemeClr val="tx1"/>
+          </a:fontRef>
+        </p:style>
+      </p:cxnSp>
+    </p:spTree>
+    <p:extLst>
+      <p:ext uri="{BB962C8B-B14F-4D97-AF65-F5344CB8AC3E}">
+        <p14:creationId xmlns:p14="http://schemas.microsoft.com/office/powerpoint/2010/main" val="2465085225"/>
+      </p:ext>
+    </p:extLst>
+  </p:cSld>
+  <p:clrMapOvr>
+    <a:masterClrMapping/>
+  </p:clrMapOvr>
+  <p:timing>
+    <p:tnLst>
+      <p:par>
+        <p:cTn id="1" dur="indefinite" restart="never" nodeType="tmRoot"/>
+      </p:par>
+    </p:tnLst>
+  </p:timing>
+</p:sld>
+</file>
+
+<file path=ppt/slides/slide24.xml><?xml version="1.0" encoding="utf-8"?>
 <p:sld xmlns:a="http://schemas.openxmlformats.org/drawingml/2006/main" xmlns:r="http://schemas.openxmlformats.org/officeDocument/2006/relationships" xmlns:p="http://schemas.openxmlformats.org/presentationml/2006/main">
   <p:cSld>
     <p:spTree>
@@ -5165,7 +6944,7 @@
           <a:p>
             <a:r>
               <a:rPr lang="en-US" dirty="0" smtClean="0"/>
-              <a:t>Basic Rules, elaborated.</a:t>
+              <a:t>Example</a:t>
             </a:r>
             <a:endParaRPr lang="en-US" dirty="0"/>
           </a:p>
@@ -5891,60 +7670,63 @@
         <p:spPr/>
         <p:txBody>
           <a:bodyPr>
-            <a:normAutofit fontScale="90000"/>
+            <a:normAutofit/>
           </a:bodyPr>
           <a:lstStyle/>
           <a:p>
             <a:r>
               <a:rPr lang="en-US" dirty="0" smtClean="0"/>
-              <a:t>Basic Rules (It’s basically </a:t>
-            </a:r>
-            <a:r>
-              <a:rPr lang="en-US" dirty="0" err="1" smtClean="0"/>
-              <a:t>sudoku</a:t>
-            </a:r>
+              <a:t>Rules for LEGUP</a:t>
+            </a:r>
+            <a:endParaRPr lang="en-US" dirty="0"/>
+          </a:p>
+        </p:txBody>
+      </p:sp>
+      <p:sp>
+        <p:nvSpPr>
+          <p:cNvPr id="3" name="Content Placeholder 2"/>
+          <p:cNvSpPr>
+            <a:spLocks noGrp="1"/>
+          </p:cNvSpPr>
+          <p:nvPr>
+            <p:ph idx="1"/>
+          </p:nvPr>
+        </p:nvSpPr>
+        <p:spPr/>
+        <p:txBody>
+          <a:bodyPr/>
+          <a:lstStyle/>
+          <a:p>
             <a:r>
               <a:rPr lang="en-US" dirty="0" smtClean="0"/>
-              <a:t>.)</a:t>
-            </a:r>
-            <a:endParaRPr lang="en-US" dirty="0"/>
-          </a:p>
-        </p:txBody>
-      </p:sp>
-      <p:sp>
-        <p:nvSpPr>
-          <p:cNvPr id="3" name="Content Placeholder 2"/>
-          <p:cNvSpPr>
-            <a:spLocks noGrp="1"/>
-          </p:cNvSpPr>
-          <p:nvPr>
-            <p:ph idx="1"/>
-          </p:nvPr>
-        </p:nvSpPr>
-        <p:spPr/>
-        <p:txBody>
-          <a:bodyPr/>
-          <a:lstStyle/>
-          <a:p>
+              <a:t>There is much overlap between Sudoku and Skyscrapers</a:t>
+            </a:r>
+          </a:p>
+          <a:p>
+            <a:pPr lvl="1"/>
             <a:r>
               <a:rPr lang="en-US" dirty="0" smtClean="0"/>
-              <a:t>To start, we can copy ALL the rules from </a:t>
-            </a:r>
-            <a:r>
-              <a:rPr lang="en-US" dirty="0" err="1" smtClean="0"/>
-              <a:t>sudoku</a:t>
-            </a:r>
+              <a:t>Numbers 1 through n appear exactly once in each row/column</a:t>
+            </a:r>
+          </a:p>
+          <a:p>
             <a:r>
               <a:rPr lang="en-US" dirty="0" smtClean="0"/>
-              <a:t>, with a few changes.</a:t>
-            </a:r>
-          </a:p>
-          <a:p>
+              <a:t>So, m</a:t>
+            </a:r>
             <a:r>
               <a:rPr lang="en-US" dirty="0" smtClean="0"/>
-              <a:t>So, we’ll start from the basic rules.</a:t>
-            </a:r>
-            <a:endParaRPr lang="en-US" dirty="0"/>
+              <a:t>any of the LEGUP rules for Skyscrapers can be copied from </a:t>
+            </a:r>
+            <a:r>
+              <a:rPr lang="en-US" dirty="0" smtClean="0"/>
+              <a:t>the LEGUP rules for S</a:t>
+            </a:r>
+            <a:r>
+              <a:rPr lang="en-US" dirty="0" smtClean="0"/>
+              <a:t>udoku</a:t>
+            </a:r>
+            <a:endParaRPr lang="en-US" dirty="0" smtClean="0"/>
           </a:p>
         </p:txBody>
       </p:sp>
@@ -5992,103 +7774,28 @@
             <a:spLocks noGrp="1"/>
           </p:cNvSpPr>
           <p:nvPr>
-            <p:ph type="title"/>
+            <p:ph type="ctrTitle"/>
           </p:nvPr>
         </p:nvSpPr>
         <p:spPr/>
         <p:txBody>
-          <a:bodyPr/>
+          <a:bodyPr>
+            <a:normAutofit/>
+          </a:bodyPr>
           <a:lstStyle/>
           <a:p>
             <a:r>
               <a:rPr lang="en-US" dirty="0" smtClean="0"/>
-              <a:t>Case Rule: Possible Values</a:t>
+              <a:t>Rules for LEGUP</a:t>
             </a:r>
             <a:endParaRPr lang="en-US" dirty="0"/>
           </a:p>
         </p:txBody>
       </p:sp>
-      <p:sp>
-        <p:nvSpPr>
-          <p:cNvPr id="3" name="Content Placeholder 2"/>
-          <p:cNvSpPr>
-            <a:spLocks noGrp="1"/>
-          </p:cNvSpPr>
-          <p:nvPr>
-            <p:ph idx="1"/>
-          </p:nvPr>
-        </p:nvSpPr>
-        <p:spPr/>
-        <p:txBody>
-          <a:bodyPr/>
-          <a:lstStyle/>
-          <a:p>
-            <a:r>
-              <a:rPr lang="en-US" dirty="0" smtClean="0"/>
-              <a:t>Each cell has a value between 1 and N.</a:t>
-            </a:r>
-            <a:endParaRPr lang="en-US" dirty="0"/>
-          </a:p>
-        </p:txBody>
-      </p:sp>
-      <p:pic>
-        <p:nvPicPr>
-          <p:cNvPr id="5122" name="Picture 2"/>
-          <p:cNvPicPr>
-            <a:picLocks noChangeAspect="1" noChangeArrowheads="1"/>
-          </p:cNvPicPr>
-          <p:nvPr/>
-        </p:nvPicPr>
-        <p:blipFill>
-          <a:blip r:embed="rId2">
-            <a:extLst>
-              <a:ext uri="{28A0092B-C50C-407E-A947-70E740481C1C}">
-                <a14:useLocalDpi xmlns:a14="http://schemas.microsoft.com/office/drawing/2010/main" val="0"/>
-              </a:ext>
-            </a:extLst>
-          </a:blip>
-          <a:srcRect/>
-          <a:stretch>
-            <a:fillRect/>
-          </a:stretch>
-        </p:blipFill>
-        <p:spPr bwMode="auto">
-          <a:xfrm>
-            <a:off x="3352800" y="2962835"/>
-            <a:ext cx="2590800" cy="3064546"/>
-          </a:xfrm>
-          <a:prstGeom prst="rect">
-            <a:avLst/>
-          </a:prstGeom>
-          <a:noFill/>
-          <a:ln>
-            <a:noFill/>
-          </a:ln>
-          <a:extLst>
-            <a:ext uri="{909E8E84-426E-40DD-AFC4-6F175D3DCCD1}">
-              <a14:hiddenFill xmlns:a14="http://schemas.microsoft.com/office/drawing/2010/main">
-                <a:solidFill>
-                  <a:schemeClr val="accent1"/>
-                </a:solidFill>
-              </a14:hiddenFill>
-            </a:ext>
-            <a:ext uri="{91240B29-F687-4F45-9708-019B960494DF}">
-              <a14:hiddenLine xmlns:a14="http://schemas.microsoft.com/office/drawing/2010/main" w="9525">
-                <a:solidFill>
-                  <a:schemeClr val="tx1"/>
-                </a:solidFill>
-                <a:miter lim="800000"/>
-                <a:headEnd/>
-                <a:tailEnd/>
-              </a14:hiddenLine>
-            </a:ext>
-          </a:extLst>
-        </p:spPr>
-      </p:pic>
     </p:spTree>
     <p:extLst>
       <p:ext uri="{BB962C8B-B14F-4D97-AF65-F5344CB8AC3E}">
-        <p14:creationId xmlns:p14="http://schemas.microsoft.com/office/powerpoint/2010/main" val="2958443220"/>
+        <p14:creationId xmlns:p14="http://schemas.microsoft.com/office/powerpoint/2010/main" val="1356635854"/>
       </p:ext>
     </p:extLst>
   </p:cSld>
@@ -6129,105 +7836,28 @@
             <a:spLocks noGrp="1"/>
           </p:cNvSpPr>
           <p:nvPr>
-            <p:ph type="title"/>
+            <p:ph type="ctrTitle"/>
           </p:nvPr>
         </p:nvSpPr>
         <p:spPr/>
         <p:txBody>
           <a:bodyPr>
-            <a:normAutofit fontScale="90000"/>
+            <a:normAutofit/>
           </a:bodyPr>
           <a:lstStyle/>
           <a:p>
             <a:r>
               <a:rPr lang="en-US" dirty="0" smtClean="0"/>
-              <a:t>Contradiction: Board State Violation</a:t>
+              <a:t>CASE Rules</a:t>
             </a:r>
             <a:endParaRPr lang="en-US" dirty="0"/>
           </a:p>
         </p:txBody>
       </p:sp>
-      <p:sp>
-        <p:nvSpPr>
-          <p:cNvPr id="3" name="Content Placeholder 2"/>
-          <p:cNvSpPr>
-            <a:spLocks noGrp="1"/>
-          </p:cNvSpPr>
-          <p:nvPr>
-            <p:ph idx="1"/>
-          </p:nvPr>
-        </p:nvSpPr>
-        <p:spPr/>
-        <p:txBody>
-          <a:bodyPr/>
-          <a:lstStyle/>
-          <a:p>
-            <a:r>
-              <a:rPr lang="en-US" dirty="0" smtClean="0"/>
-              <a:t>Number appears twice in the same row or column.</a:t>
-            </a:r>
-            <a:endParaRPr lang="en-US" dirty="0"/>
-          </a:p>
-        </p:txBody>
-      </p:sp>
-      <p:pic>
-        <p:nvPicPr>
-          <p:cNvPr id="3076" name="Picture 4"/>
-          <p:cNvPicPr>
-            <a:picLocks noChangeAspect="1" noChangeArrowheads="1"/>
-          </p:cNvPicPr>
-          <p:nvPr/>
-        </p:nvPicPr>
-        <p:blipFill>
-          <a:blip r:embed="rId2">
-            <a:extLst>
-              <a:ext uri="{28A0092B-C50C-407E-A947-70E740481C1C}">
-                <a14:useLocalDpi xmlns:a14="http://schemas.microsoft.com/office/drawing/2010/main" val="0"/>
-              </a:ext>
-            </a:extLst>
-          </a:blip>
-          <a:srcRect/>
-          <a:stretch>
-            <a:fillRect/>
-          </a:stretch>
-        </p:blipFill>
-        <p:spPr bwMode="auto">
-          <a:xfrm>
-            <a:off x="2514600" y="2684929"/>
-            <a:ext cx="3657600" cy="3535680"/>
-          </a:xfrm>
-          <a:prstGeom prst="rect">
-            <a:avLst/>
-          </a:prstGeom>
-          <a:noFill/>
-          <a:ln>
-            <a:noFill/>
-          </a:ln>
-          <a:extLst>
-            <a:ext uri="{909E8E84-426E-40DD-AFC4-6F175D3DCCD1}">
-              <a14:hiddenFill xmlns:a14="http://schemas.microsoft.com/office/drawing/2010/main">
-                <a:solidFill>
-                  <a:schemeClr val="accent1"/>
-                </a:solidFill>
-              </a14:hiddenFill>
-            </a:ext>
-            <a:ext uri="{91240B29-F687-4F45-9708-019B960494DF}">
-              <a14:hiddenLine xmlns:a14="http://schemas.microsoft.com/office/drawing/2010/main" w="9525">
-                <a:solidFill>
-                  <a:schemeClr val="tx1"/>
-                </a:solidFill>
-                <a:miter lim="800000"/>
-                <a:headEnd/>
-                <a:tailEnd/>
-              </a14:hiddenLine>
-            </a:ext>
-          </a:extLst>
-        </p:spPr>
-      </p:pic>
     </p:spTree>
     <p:extLst>
       <p:ext uri="{BB962C8B-B14F-4D97-AF65-F5344CB8AC3E}">
-        <p14:creationId xmlns:p14="http://schemas.microsoft.com/office/powerpoint/2010/main" val="2921499076"/>
+        <p14:creationId xmlns:p14="http://schemas.microsoft.com/office/powerpoint/2010/main" val="2770419250"/>
       </p:ext>
     </p:extLst>
   </p:cSld>
@@ -6261,63 +7891,15 @@
           <a:chExt cx="0" cy="0"/>
         </a:xfrm>
       </p:grpSpPr>
-      <p:sp>
-        <p:nvSpPr>
-          <p:cNvPr id="2" name="Title 1"/>
-          <p:cNvSpPr>
-            <a:spLocks noGrp="1"/>
-          </p:cNvSpPr>
-          <p:nvPr>
-            <p:ph type="title"/>
-          </p:nvPr>
-        </p:nvSpPr>
-        <p:spPr/>
-        <p:txBody>
-          <a:bodyPr>
-            <a:normAutofit fontScale="90000"/>
-          </a:bodyPr>
-          <a:lstStyle/>
-          <a:p>
-            <a:r>
-              <a:rPr lang="en-US" dirty="0" smtClean="0"/>
-              <a:t>Contradiction: No Solution for Cell</a:t>
-            </a:r>
-            <a:endParaRPr lang="en-US" dirty="0"/>
-          </a:p>
-        </p:txBody>
-      </p:sp>
-      <p:sp>
-        <p:nvSpPr>
-          <p:cNvPr id="3" name="Content Placeholder 2"/>
-          <p:cNvSpPr>
-            <a:spLocks noGrp="1"/>
-          </p:cNvSpPr>
-          <p:nvPr>
-            <p:ph idx="1"/>
-          </p:nvPr>
-        </p:nvSpPr>
-        <p:spPr/>
-        <p:txBody>
-          <a:bodyPr/>
-          <a:lstStyle/>
-          <a:p>
-            <a:r>
-              <a:rPr lang="en-US" dirty="0" smtClean="0"/>
-              <a:t>Elimination leaves no possible number for a cell.</a:t>
-            </a:r>
-            <a:endParaRPr lang="en-US" dirty="0"/>
-          </a:p>
-        </p:txBody>
-      </p:sp>
       <p:pic>
         <p:nvPicPr>
-          <p:cNvPr id="4098" name="Picture 2"/>
+          <p:cNvPr id="12" name="Picture 2"/>
           <p:cNvPicPr>
             <a:picLocks noChangeAspect="1" noChangeArrowheads="1"/>
           </p:cNvPicPr>
           <p:nvPr/>
         </p:nvPicPr>
-        <p:blipFill>
+        <p:blipFill rotWithShape="1">
           <a:blip r:embed="rId2">
             <a:extLst>
               <a:ext uri="{28A0092B-C50C-407E-A947-70E740481C1C}">
@@ -6325,15 +7907,13 @@
               </a:ext>
             </a:extLst>
           </a:blip>
-          <a:srcRect/>
-          <a:stretch>
-            <a:fillRect/>
-          </a:stretch>
+          <a:srcRect t="32497" b="49558"/>
+          <a:stretch/>
         </p:blipFill>
         <p:spPr bwMode="auto">
           <a:xfrm>
-            <a:off x="2667000" y="2743200"/>
-            <a:ext cx="3657600" cy="3535680"/>
+            <a:off x="6400800" y="4562804"/>
+            <a:ext cx="2524383" cy="436228"/>
           </a:xfrm>
           <a:prstGeom prst="rect">
             <a:avLst/>
@@ -6363,10 +7943,703 @@
           </a:extLst>
         </p:spPr>
       </p:pic>
+      <p:sp>
+        <p:nvSpPr>
+          <p:cNvPr id="21" name="Rectangle 20"/>
+          <p:cNvSpPr/>
+          <p:nvPr/>
+        </p:nvSpPr>
+        <p:spPr>
+          <a:xfrm>
+            <a:off x="7726087" y="4604129"/>
+            <a:ext cx="376282" cy="353577"/>
+          </a:xfrm>
+          <a:prstGeom prst="rect">
+            <a:avLst/>
+          </a:prstGeom>
+          <a:solidFill>
+            <a:srgbClr val="00B0F0"/>
+          </a:solidFill>
+          <a:ln>
+            <a:noFill/>
+          </a:ln>
+        </p:spPr>
+        <p:style>
+          <a:lnRef idx="2">
+            <a:schemeClr val="accent1">
+              <a:shade val="50000"/>
+            </a:schemeClr>
+          </a:lnRef>
+          <a:fillRef idx="1">
+            <a:schemeClr val="accent1"/>
+          </a:fillRef>
+          <a:effectRef idx="0">
+            <a:schemeClr val="accent1"/>
+          </a:effectRef>
+          <a:fontRef idx="minor">
+            <a:schemeClr val="lt1"/>
+          </a:fontRef>
+        </p:style>
+        <p:txBody>
+          <a:bodyPr rtlCol="0" anchor="ctr"/>
+          <a:lstStyle/>
+          <a:p>
+            <a:pPr algn="ctr"/>
+            <a:endParaRPr lang="en-US"/>
+          </a:p>
+        </p:txBody>
+      </p:sp>
+      <p:pic>
+        <p:nvPicPr>
+          <p:cNvPr id="8" name="Picture 2"/>
+          <p:cNvPicPr>
+            <a:picLocks noChangeAspect="1" noChangeArrowheads="1"/>
+          </p:cNvPicPr>
+          <p:nvPr/>
+        </p:nvPicPr>
+        <p:blipFill rotWithShape="1">
+          <a:blip r:embed="rId2">
+            <a:extLst>
+              <a:ext uri="{28A0092B-C50C-407E-A947-70E740481C1C}">
+                <a14:useLocalDpi xmlns:a14="http://schemas.microsoft.com/office/drawing/2010/main" val="0"/>
+              </a:ext>
+            </a:extLst>
+          </a:blip>
+          <a:srcRect t="32497" b="49558"/>
+          <a:stretch/>
+        </p:blipFill>
+        <p:spPr bwMode="auto">
+          <a:xfrm>
+            <a:off x="3276600" y="4562696"/>
+            <a:ext cx="2524383" cy="436228"/>
+          </a:xfrm>
+          <a:prstGeom prst="rect">
+            <a:avLst/>
+          </a:prstGeom>
+          <a:noFill/>
+          <a:ln>
+            <a:noFill/>
+          </a:ln>
+          <a:extLst>
+            <a:ext uri="{909E8E84-426E-40DD-AFC4-6F175D3DCCD1}">
+              <a14:hiddenFill xmlns:a14="http://schemas.microsoft.com/office/drawing/2010/main">
+                <a:solidFill>
+                  <a:schemeClr val="accent1"/>
+                </a:solidFill>
+              </a14:hiddenFill>
+            </a:ext>
+            <a:ext uri="{91240B29-F687-4F45-9708-019B960494DF}">
+              <a14:hiddenLine xmlns:a14="http://schemas.microsoft.com/office/drawing/2010/main" w="9525">
+                <a:solidFill>
+                  <a:schemeClr val="tx1"/>
+                </a:solidFill>
+                <a:miter lim="800000"/>
+                <a:headEnd/>
+                <a:tailEnd/>
+              </a14:hiddenLine>
+            </a:ext>
+          </a:extLst>
+        </p:spPr>
+      </p:pic>
+      <p:sp>
+        <p:nvSpPr>
+          <p:cNvPr id="23" name="Rectangle 22"/>
+          <p:cNvSpPr/>
+          <p:nvPr/>
+        </p:nvSpPr>
+        <p:spPr>
+          <a:xfrm>
+            <a:off x="4581173" y="4604129"/>
+            <a:ext cx="376282" cy="353577"/>
+          </a:xfrm>
+          <a:prstGeom prst="rect">
+            <a:avLst/>
+          </a:prstGeom>
+          <a:solidFill>
+            <a:srgbClr val="00B0F0"/>
+          </a:solidFill>
+          <a:ln>
+            <a:noFill/>
+          </a:ln>
+        </p:spPr>
+        <p:style>
+          <a:lnRef idx="2">
+            <a:schemeClr val="accent1">
+              <a:shade val="50000"/>
+            </a:schemeClr>
+          </a:lnRef>
+          <a:fillRef idx="1">
+            <a:schemeClr val="accent1"/>
+          </a:fillRef>
+          <a:effectRef idx="0">
+            <a:schemeClr val="accent1"/>
+          </a:effectRef>
+          <a:fontRef idx="minor">
+            <a:schemeClr val="lt1"/>
+          </a:fontRef>
+        </p:style>
+        <p:txBody>
+          <a:bodyPr rtlCol="0" anchor="ctr"/>
+          <a:lstStyle/>
+          <a:p>
+            <a:pPr algn="ctr"/>
+            <a:endParaRPr lang="en-US"/>
+          </a:p>
+        </p:txBody>
+      </p:sp>
+      <p:pic>
+        <p:nvPicPr>
+          <p:cNvPr id="6" name="Picture 2"/>
+          <p:cNvPicPr>
+            <a:picLocks noChangeAspect="1" noChangeArrowheads="1"/>
+          </p:cNvPicPr>
+          <p:nvPr/>
+        </p:nvPicPr>
+        <p:blipFill rotWithShape="1">
+          <a:blip r:embed="rId2">
+            <a:extLst>
+              <a:ext uri="{28A0092B-C50C-407E-A947-70E740481C1C}">
+                <a14:useLocalDpi xmlns:a14="http://schemas.microsoft.com/office/drawing/2010/main" val="0"/>
+              </a:ext>
+            </a:extLst>
+          </a:blip>
+          <a:srcRect t="32497" b="49558"/>
+          <a:stretch/>
+        </p:blipFill>
+        <p:spPr bwMode="auto">
+          <a:xfrm>
+            <a:off x="304800" y="4562696"/>
+            <a:ext cx="2524383" cy="436228"/>
+          </a:xfrm>
+          <a:prstGeom prst="rect">
+            <a:avLst/>
+          </a:prstGeom>
+          <a:noFill/>
+          <a:ln>
+            <a:noFill/>
+          </a:ln>
+          <a:extLst>
+            <a:ext uri="{909E8E84-426E-40DD-AFC4-6F175D3DCCD1}">
+              <a14:hiddenFill xmlns:a14="http://schemas.microsoft.com/office/drawing/2010/main">
+                <a:solidFill>
+                  <a:schemeClr val="accent1"/>
+                </a:solidFill>
+              </a14:hiddenFill>
+            </a:ext>
+            <a:ext uri="{91240B29-F687-4F45-9708-019B960494DF}">
+              <a14:hiddenLine xmlns:a14="http://schemas.microsoft.com/office/drawing/2010/main" w="9525">
+                <a:solidFill>
+                  <a:schemeClr val="tx1"/>
+                </a:solidFill>
+                <a:miter lim="800000"/>
+                <a:headEnd/>
+                <a:tailEnd/>
+              </a14:hiddenLine>
+            </a:ext>
+          </a:extLst>
+        </p:spPr>
+      </p:pic>
+      <p:sp>
+        <p:nvSpPr>
+          <p:cNvPr id="19" name="Rectangle 18"/>
+          <p:cNvSpPr/>
+          <p:nvPr/>
+        </p:nvSpPr>
+        <p:spPr>
+          <a:xfrm>
+            <a:off x="1624494" y="4604021"/>
+            <a:ext cx="376282" cy="353577"/>
+          </a:xfrm>
+          <a:prstGeom prst="rect">
+            <a:avLst/>
+          </a:prstGeom>
+          <a:solidFill>
+            <a:srgbClr val="00B0F0"/>
+          </a:solidFill>
+          <a:ln>
+            <a:noFill/>
+          </a:ln>
+        </p:spPr>
+        <p:style>
+          <a:lnRef idx="2">
+            <a:schemeClr val="accent1">
+              <a:shade val="50000"/>
+            </a:schemeClr>
+          </a:lnRef>
+          <a:fillRef idx="1">
+            <a:schemeClr val="accent1"/>
+          </a:fillRef>
+          <a:effectRef idx="0">
+            <a:schemeClr val="accent1"/>
+          </a:effectRef>
+          <a:fontRef idx="minor">
+            <a:schemeClr val="lt1"/>
+          </a:fontRef>
+        </p:style>
+        <p:txBody>
+          <a:bodyPr rtlCol="0" anchor="ctr"/>
+          <a:lstStyle/>
+          <a:p>
+            <a:pPr algn="ctr"/>
+            <a:endParaRPr lang="en-US"/>
+          </a:p>
+        </p:txBody>
+      </p:sp>
+      <p:sp>
+        <p:nvSpPr>
+          <p:cNvPr id="2" name="Title 1"/>
+          <p:cNvSpPr>
+            <a:spLocks noGrp="1"/>
+          </p:cNvSpPr>
+          <p:nvPr>
+            <p:ph type="title"/>
+          </p:nvPr>
+        </p:nvSpPr>
+        <p:spPr/>
+        <p:txBody>
+          <a:bodyPr>
+            <a:normAutofit fontScale="90000"/>
+          </a:bodyPr>
+          <a:lstStyle/>
+          <a:p>
+            <a:r>
+              <a:rPr lang="en-US" dirty="0" smtClean="0"/>
+              <a:t>Case Rule: </a:t>
+            </a:r>
+            <a:r>
+              <a:rPr lang="en-US" dirty="0" smtClean="0"/>
+              <a:t/>
+            </a:r>
+            <a:br>
+              <a:rPr lang="en-US" dirty="0" smtClean="0"/>
+            </a:br>
+            <a:r>
+              <a:rPr lang="en-US" dirty="0" smtClean="0"/>
+              <a:t>Possible Contents</a:t>
+            </a:r>
+            <a:endParaRPr lang="en-US" dirty="0"/>
+          </a:p>
+        </p:txBody>
+      </p:sp>
+      <p:sp>
+        <p:nvSpPr>
+          <p:cNvPr id="3" name="Content Placeholder 2"/>
+          <p:cNvSpPr>
+            <a:spLocks noGrp="1"/>
+          </p:cNvSpPr>
+          <p:nvPr>
+            <p:ph idx="1"/>
+          </p:nvPr>
+        </p:nvSpPr>
+        <p:spPr/>
+        <p:txBody>
+          <a:bodyPr/>
+          <a:lstStyle/>
+          <a:p>
+            <a:r>
+              <a:rPr lang="en-US" dirty="0"/>
+              <a:t>Given a cell, the content is one of the numbers 1 through n</a:t>
+            </a:r>
+            <a:endParaRPr lang="en-US" dirty="0"/>
+          </a:p>
+        </p:txBody>
+      </p:sp>
+      <p:pic>
+        <p:nvPicPr>
+          <p:cNvPr id="5" name="Picture 2"/>
+          <p:cNvPicPr>
+            <a:picLocks noChangeAspect="1" noChangeArrowheads="1"/>
+          </p:cNvPicPr>
+          <p:nvPr/>
+        </p:nvPicPr>
+        <p:blipFill rotWithShape="1">
+          <a:blip r:embed="rId2">
+            <a:extLst>
+              <a:ext uri="{28A0092B-C50C-407E-A947-70E740481C1C}">
+                <a14:useLocalDpi xmlns:a14="http://schemas.microsoft.com/office/drawing/2010/main" val="0"/>
+              </a:ext>
+            </a:extLst>
+          </a:blip>
+          <a:srcRect t="32497" b="49558"/>
+          <a:stretch/>
+        </p:blipFill>
+        <p:spPr bwMode="auto">
+          <a:xfrm>
+            <a:off x="3200400" y="2910979"/>
+            <a:ext cx="2524383" cy="436228"/>
+          </a:xfrm>
+          <a:prstGeom prst="rect">
+            <a:avLst/>
+          </a:prstGeom>
+          <a:noFill/>
+          <a:ln>
+            <a:noFill/>
+          </a:ln>
+          <a:extLst>
+            <a:ext uri="{909E8E84-426E-40DD-AFC4-6F175D3DCCD1}">
+              <a14:hiddenFill xmlns:a14="http://schemas.microsoft.com/office/drawing/2010/main">
+                <a:solidFill>
+                  <a:schemeClr val="accent1"/>
+                </a:solidFill>
+              </a14:hiddenFill>
+            </a:ext>
+            <a:ext uri="{91240B29-F687-4F45-9708-019B960494DF}">
+              <a14:hiddenLine xmlns:a14="http://schemas.microsoft.com/office/drawing/2010/main" w="9525">
+                <a:solidFill>
+                  <a:schemeClr val="tx1"/>
+                </a:solidFill>
+                <a:miter lim="800000"/>
+                <a:headEnd/>
+                <a:tailEnd/>
+              </a14:hiddenLine>
+            </a:ext>
+          </a:extLst>
+        </p:spPr>
+      </p:pic>
+      <p:sp>
+        <p:nvSpPr>
+          <p:cNvPr id="4" name="TextBox 3"/>
+          <p:cNvSpPr txBox="1"/>
+          <p:nvPr/>
+        </p:nvSpPr>
+        <p:spPr>
+          <a:xfrm>
+            <a:off x="1219200" y="4596144"/>
+            <a:ext cx="300082" cy="369332"/>
+          </a:xfrm>
+          <a:prstGeom prst="rect">
+            <a:avLst/>
+          </a:prstGeom>
+          <a:noFill/>
+        </p:spPr>
+        <p:txBody>
+          <a:bodyPr wrap="none" rtlCol="0">
+            <a:spAutoFit/>
+          </a:bodyPr>
+          <a:lstStyle/>
+          <a:p>
+            <a:r>
+              <a:rPr lang="en-US" dirty="0" smtClean="0">
+                <a:solidFill>
+                  <a:schemeClr val="bg1"/>
+                </a:solidFill>
+              </a:rPr>
+              <a:t>3</a:t>
+            </a:r>
+          </a:p>
+        </p:txBody>
+      </p:sp>
+      <p:sp>
+        <p:nvSpPr>
+          <p:cNvPr id="9" name="TextBox 8"/>
+          <p:cNvSpPr txBox="1"/>
+          <p:nvPr/>
+        </p:nvSpPr>
+        <p:spPr>
+          <a:xfrm>
+            <a:off x="4187762" y="4619697"/>
+            <a:ext cx="300082" cy="369332"/>
+          </a:xfrm>
+          <a:prstGeom prst="rect">
+            <a:avLst/>
+          </a:prstGeom>
+          <a:noFill/>
+        </p:spPr>
+        <p:txBody>
+          <a:bodyPr wrap="none" rtlCol="0">
+            <a:spAutoFit/>
+          </a:bodyPr>
+          <a:lstStyle/>
+          <a:p>
+            <a:r>
+              <a:rPr lang="en-US" dirty="0" smtClean="0">
+                <a:solidFill>
+                  <a:schemeClr val="bg1"/>
+                </a:solidFill>
+              </a:rPr>
+              <a:t>3</a:t>
+            </a:r>
+          </a:p>
+        </p:txBody>
+      </p:sp>
+      <p:sp>
+        <p:nvSpPr>
+          <p:cNvPr id="13" name="TextBox 12"/>
+          <p:cNvSpPr txBox="1"/>
+          <p:nvPr/>
+        </p:nvSpPr>
+        <p:spPr>
+          <a:xfrm>
+            <a:off x="7315200" y="4611899"/>
+            <a:ext cx="300082" cy="369332"/>
+          </a:xfrm>
+          <a:prstGeom prst="rect">
+            <a:avLst/>
+          </a:prstGeom>
+          <a:noFill/>
+        </p:spPr>
+        <p:txBody>
+          <a:bodyPr wrap="none" rtlCol="0">
+            <a:spAutoFit/>
+          </a:bodyPr>
+          <a:lstStyle/>
+          <a:p>
+            <a:r>
+              <a:rPr lang="en-US" dirty="0" smtClean="0">
+                <a:solidFill>
+                  <a:schemeClr val="bg1"/>
+                </a:solidFill>
+              </a:rPr>
+              <a:t>3</a:t>
+            </a:r>
+          </a:p>
+        </p:txBody>
+      </p:sp>
+      <p:cxnSp>
+        <p:nvCxnSpPr>
+          <p:cNvPr id="14" name="Straight Arrow Connector 13"/>
+          <p:cNvCxnSpPr/>
+          <p:nvPr/>
+        </p:nvCxnSpPr>
+        <p:spPr>
+          <a:xfrm flipH="1">
+            <a:off x="1566991" y="3429000"/>
+            <a:ext cx="2547809" cy="990600"/>
+          </a:xfrm>
+          <a:prstGeom prst="straightConnector1">
+            <a:avLst/>
+          </a:prstGeom>
+          <a:ln>
+            <a:tailEnd type="arrow"/>
+          </a:ln>
+        </p:spPr>
+        <p:style>
+          <a:lnRef idx="3">
+            <a:schemeClr val="dk1"/>
+          </a:lnRef>
+          <a:fillRef idx="0">
+            <a:schemeClr val="dk1"/>
+          </a:fillRef>
+          <a:effectRef idx="2">
+            <a:schemeClr val="dk1"/>
+          </a:effectRef>
+          <a:fontRef idx="minor">
+            <a:schemeClr val="tx1"/>
+          </a:fontRef>
+        </p:style>
+      </p:cxnSp>
+      <p:cxnSp>
+        <p:nvCxnSpPr>
+          <p:cNvPr id="20" name="Straight Arrow Connector 19"/>
+          <p:cNvCxnSpPr/>
+          <p:nvPr/>
+        </p:nvCxnSpPr>
+        <p:spPr>
+          <a:xfrm>
+            <a:off x="4462591" y="3429000"/>
+            <a:ext cx="0" cy="990600"/>
+          </a:xfrm>
+          <a:prstGeom prst="straightConnector1">
+            <a:avLst/>
+          </a:prstGeom>
+          <a:ln>
+            <a:tailEnd type="arrow"/>
+          </a:ln>
+        </p:spPr>
+        <p:style>
+          <a:lnRef idx="3">
+            <a:schemeClr val="dk1"/>
+          </a:lnRef>
+          <a:fillRef idx="0">
+            <a:schemeClr val="dk1"/>
+          </a:fillRef>
+          <a:effectRef idx="2">
+            <a:schemeClr val="dk1"/>
+          </a:effectRef>
+          <a:fontRef idx="minor">
+            <a:schemeClr val="tx1"/>
+          </a:fontRef>
+        </p:style>
+      </p:cxnSp>
+      <p:cxnSp>
+        <p:nvCxnSpPr>
+          <p:cNvPr id="22" name="Straight Arrow Connector 21"/>
+          <p:cNvCxnSpPr/>
+          <p:nvPr/>
+        </p:nvCxnSpPr>
+        <p:spPr>
+          <a:xfrm>
+            <a:off x="4876800" y="3429000"/>
+            <a:ext cx="2895600" cy="995494"/>
+          </a:xfrm>
+          <a:prstGeom prst="straightConnector1">
+            <a:avLst/>
+          </a:prstGeom>
+          <a:ln>
+            <a:tailEnd type="arrow"/>
+          </a:ln>
+        </p:spPr>
+        <p:style>
+          <a:lnRef idx="3">
+            <a:schemeClr val="dk1"/>
+          </a:lnRef>
+          <a:fillRef idx="0">
+            <a:schemeClr val="dk1"/>
+          </a:fillRef>
+          <a:effectRef idx="2">
+            <a:schemeClr val="dk1"/>
+          </a:effectRef>
+          <a:fontRef idx="minor">
+            <a:schemeClr val="tx1"/>
+          </a:fontRef>
+        </p:style>
+      </p:cxnSp>
+      <p:sp>
+        <p:nvSpPr>
+          <p:cNvPr id="17" name="TextBox 16"/>
+          <p:cNvSpPr txBox="1"/>
+          <p:nvPr/>
+        </p:nvSpPr>
+        <p:spPr>
+          <a:xfrm>
+            <a:off x="4112878" y="2942381"/>
+            <a:ext cx="300082" cy="369332"/>
+          </a:xfrm>
+          <a:prstGeom prst="rect">
+            <a:avLst/>
+          </a:prstGeom>
+          <a:noFill/>
+        </p:spPr>
+        <p:txBody>
+          <a:bodyPr wrap="none" rtlCol="0">
+            <a:spAutoFit/>
+          </a:bodyPr>
+          <a:lstStyle/>
+          <a:p>
+            <a:r>
+              <a:rPr lang="en-US" dirty="0" smtClean="0">
+                <a:solidFill>
+                  <a:schemeClr val="bg1"/>
+                </a:solidFill>
+              </a:rPr>
+              <a:t>3</a:t>
+            </a:r>
+          </a:p>
+        </p:txBody>
+      </p:sp>
+      <p:sp>
+        <p:nvSpPr>
+          <p:cNvPr id="15" name="TextBox 14"/>
+          <p:cNvSpPr txBox="1"/>
+          <p:nvPr/>
+        </p:nvSpPr>
+        <p:spPr>
+          <a:xfrm>
+            <a:off x="1662594" y="4594098"/>
+            <a:ext cx="300082" cy="369332"/>
+          </a:xfrm>
+          <a:prstGeom prst="rect">
+            <a:avLst/>
+          </a:prstGeom>
+          <a:noFill/>
+        </p:spPr>
+        <p:txBody>
+          <a:bodyPr wrap="none" rtlCol="0">
+            <a:spAutoFit/>
+          </a:bodyPr>
+          <a:lstStyle/>
+          <a:p>
+            <a:r>
+              <a:rPr lang="en-US" dirty="0">
+                <a:solidFill>
+                  <a:schemeClr val="bg1"/>
+                </a:solidFill>
+              </a:rPr>
+              <a:t>1</a:t>
+            </a:r>
+            <a:endParaRPr lang="en-US" dirty="0" smtClean="0">
+              <a:solidFill>
+                <a:schemeClr val="bg1"/>
+              </a:solidFill>
+            </a:endParaRPr>
+          </a:p>
+        </p:txBody>
+      </p:sp>
+      <p:sp>
+        <p:nvSpPr>
+          <p:cNvPr id="16" name="TextBox 15"/>
+          <p:cNvSpPr txBox="1"/>
+          <p:nvPr/>
+        </p:nvSpPr>
+        <p:spPr>
+          <a:xfrm>
+            <a:off x="4648200" y="4602004"/>
+            <a:ext cx="300082" cy="369332"/>
+          </a:xfrm>
+          <a:prstGeom prst="rect">
+            <a:avLst/>
+          </a:prstGeom>
+          <a:noFill/>
+        </p:spPr>
+        <p:txBody>
+          <a:bodyPr wrap="none" rtlCol="0">
+            <a:spAutoFit/>
+          </a:bodyPr>
+          <a:lstStyle/>
+          <a:p>
+            <a:r>
+              <a:rPr lang="en-US" dirty="0" smtClean="0">
+                <a:solidFill>
+                  <a:schemeClr val="bg1"/>
+                </a:solidFill>
+              </a:rPr>
+              <a:t>2</a:t>
+            </a:r>
+          </a:p>
+        </p:txBody>
+      </p:sp>
+      <p:sp>
+        <p:nvSpPr>
+          <p:cNvPr id="18" name="TextBox 17"/>
+          <p:cNvSpPr txBox="1"/>
+          <p:nvPr/>
+        </p:nvSpPr>
+        <p:spPr>
+          <a:xfrm>
+            <a:off x="7764187" y="4602004"/>
+            <a:ext cx="300082" cy="369332"/>
+          </a:xfrm>
+          <a:prstGeom prst="rect">
+            <a:avLst/>
+          </a:prstGeom>
+          <a:noFill/>
+        </p:spPr>
+        <p:txBody>
+          <a:bodyPr wrap="none" rtlCol="0">
+            <a:spAutoFit/>
+          </a:bodyPr>
+          <a:lstStyle/>
+          <a:p>
+            <a:r>
+              <a:rPr lang="en-US" dirty="0">
+                <a:solidFill>
+                  <a:schemeClr val="bg1"/>
+                </a:solidFill>
+              </a:rPr>
+              <a:t>4</a:t>
+            </a:r>
+            <a:endParaRPr lang="en-US" dirty="0" smtClean="0">
+              <a:solidFill>
+                <a:schemeClr val="bg1"/>
+              </a:solidFill>
+            </a:endParaRPr>
+          </a:p>
+        </p:txBody>
+      </p:sp>
     </p:spTree>
     <p:extLst>
       <p:ext uri="{BB962C8B-B14F-4D97-AF65-F5344CB8AC3E}">
-        <p14:creationId xmlns:p14="http://schemas.microsoft.com/office/powerpoint/2010/main" val="2679387796"/>
+        <p14:creationId xmlns:p14="http://schemas.microsoft.com/office/powerpoint/2010/main" val="3251341688"/>
       </p:ext>
     </p:extLst>
   </p:cSld>
